--- a/MouseResting.pptx
+++ b/MouseResting.pptx
@@ -13,9 +13,9 @@
     <p:sldId id="287" r:id="rId7"/>
     <p:sldId id="280" r:id="rId8"/>
     <p:sldId id="269" r:id="rId9"/>
-    <p:sldId id="291" r:id="rId10"/>
-    <p:sldId id="292" r:id="rId11"/>
-    <p:sldId id="290" r:id="rId12"/>
+    <p:sldId id="290" r:id="rId10"/>
+    <p:sldId id="291" r:id="rId11"/>
+    <p:sldId id="292" r:id="rId12"/>
   </p:sldIdLst>
   <p:sldSz cx="12192000" cy="6858000"/>
   <p:notesSz cx="6858000" cy="9144000"/>
@@ -116,7 +116,7 @@
   </p:defaultTextStyle>
   <p:extLst>
     <p:ext uri="{EFAFB233-063F-42B5-8137-9DF3F51BA10A}">
-      <p15:sldGuideLst xmlns:p15="http://schemas.microsoft.com/office/powerpoint/2012/main"/>
+      <p15:sldGuideLst xmlns="" xmlns:p15="http://schemas.microsoft.com/office/powerpoint/2012/main"/>
     </p:ext>
   </p:extLst>
 </p:presentation>
@@ -251,7 +251,7 @@
           <a:p>
             <a:fld id="{D7D8C689-48A4-48E7-8DC1-52CF9C1A4E1F}" type="datetimeFigureOut">
               <a:rPr lang="zh-CN" altLang="en-US" smtClean="0"/>
-              <a:t>2017/11/22</a:t>
+              <a:t>2017/11/23 Thursday</a:t>
             </a:fld>
             <a:endParaRPr lang="zh-CN" altLang="en-US"/>
           </a:p>
@@ -419,7 +419,7 @@
           <a:p>
             <a:fld id="{D7D8C689-48A4-48E7-8DC1-52CF9C1A4E1F}" type="datetimeFigureOut">
               <a:rPr lang="zh-CN" altLang="en-US" smtClean="0"/>
-              <a:t>2017/11/22</a:t>
+              <a:t>2017/11/23 Thursday</a:t>
             </a:fld>
             <a:endParaRPr lang="zh-CN" altLang="en-US"/>
           </a:p>
@@ -597,7 +597,7 @@
           <a:p>
             <a:fld id="{D7D8C689-48A4-48E7-8DC1-52CF9C1A4E1F}" type="datetimeFigureOut">
               <a:rPr lang="zh-CN" altLang="en-US" smtClean="0"/>
-              <a:t>2017/11/22</a:t>
+              <a:t>2017/11/23 Thursday</a:t>
             </a:fld>
             <a:endParaRPr lang="zh-CN" altLang="en-US"/>
           </a:p>
@@ -765,7 +765,7 @@
           <a:p>
             <a:fld id="{D7D8C689-48A4-48E7-8DC1-52CF9C1A4E1F}" type="datetimeFigureOut">
               <a:rPr lang="zh-CN" altLang="en-US" smtClean="0"/>
-              <a:t>2017/11/22</a:t>
+              <a:t>2017/11/23 Thursday</a:t>
             </a:fld>
             <a:endParaRPr lang="zh-CN" altLang="en-US"/>
           </a:p>
@@ -1010,7 +1010,7 @@
           <a:p>
             <a:fld id="{D7D8C689-48A4-48E7-8DC1-52CF9C1A4E1F}" type="datetimeFigureOut">
               <a:rPr lang="zh-CN" altLang="en-US" smtClean="0"/>
-              <a:t>2017/11/22</a:t>
+              <a:t>2017/11/23 Thursday</a:t>
             </a:fld>
             <a:endParaRPr lang="zh-CN" altLang="en-US"/>
           </a:p>
@@ -1239,7 +1239,7 @@
           <a:p>
             <a:fld id="{D7D8C689-48A4-48E7-8DC1-52CF9C1A4E1F}" type="datetimeFigureOut">
               <a:rPr lang="zh-CN" altLang="en-US" smtClean="0"/>
-              <a:t>2017/11/22</a:t>
+              <a:t>2017/11/23 Thursday</a:t>
             </a:fld>
             <a:endParaRPr lang="zh-CN" altLang="en-US"/>
           </a:p>
@@ -1603,7 +1603,7 @@
           <a:p>
             <a:fld id="{D7D8C689-48A4-48E7-8DC1-52CF9C1A4E1F}" type="datetimeFigureOut">
               <a:rPr lang="zh-CN" altLang="en-US" smtClean="0"/>
-              <a:t>2017/11/22</a:t>
+              <a:t>2017/11/23 Thursday</a:t>
             </a:fld>
             <a:endParaRPr lang="zh-CN" altLang="en-US"/>
           </a:p>
@@ -1720,7 +1720,7 @@
           <a:p>
             <a:fld id="{D7D8C689-48A4-48E7-8DC1-52CF9C1A4E1F}" type="datetimeFigureOut">
               <a:rPr lang="zh-CN" altLang="en-US" smtClean="0"/>
-              <a:t>2017/11/22</a:t>
+              <a:t>2017/11/23 Thursday</a:t>
             </a:fld>
             <a:endParaRPr lang="zh-CN" altLang="en-US"/>
           </a:p>
@@ -1815,7 +1815,7 @@
           <a:p>
             <a:fld id="{D7D8C689-48A4-48E7-8DC1-52CF9C1A4E1F}" type="datetimeFigureOut">
               <a:rPr lang="zh-CN" altLang="en-US" smtClean="0"/>
-              <a:t>2017/11/22</a:t>
+              <a:t>2017/11/23 Thursday</a:t>
             </a:fld>
             <a:endParaRPr lang="zh-CN" altLang="en-US"/>
           </a:p>
@@ -2090,7 +2090,7 @@
           <a:p>
             <a:fld id="{D7D8C689-48A4-48E7-8DC1-52CF9C1A4E1F}" type="datetimeFigureOut">
               <a:rPr lang="zh-CN" altLang="en-US" smtClean="0"/>
-              <a:t>2017/11/22</a:t>
+              <a:t>2017/11/23 Thursday</a:t>
             </a:fld>
             <a:endParaRPr lang="zh-CN" altLang="en-US"/>
           </a:p>
@@ -2342,7 +2342,7 @@
           <a:p>
             <a:fld id="{D7D8C689-48A4-48E7-8DC1-52CF9C1A4E1F}" type="datetimeFigureOut">
               <a:rPr lang="zh-CN" altLang="en-US" smtClean="0"/>
-              <a:t>2017/11/22</a:t>
+              <a:t>2017/11/23 Thursday</a:t>
             </a:fld>
             <a:endParaRPr lang="zh-CN" altLang="en-US"/>
           </a:p>
@@ -2553,7 +2553,7 @@
           <a:p>
             <a:fld id="{D7D8C689-48A4-48E7-8DC1-52CF9C1A4E1F}" type="datetimeFigureOut">
               <a:rPr lang="zh-CN" altLang="en-US" smtClean="0"/>
-              <a:t>2017/11/22</a:t>
+              <a:t>2017/11/23 Thursday</a:t>
             </a:fld>
             <a:endParaRPr lang="zh-CN" altLang="en-US"/>
           </a:p>
@@ -3018,17 +3018,7 @@
                 <a:latin typeface="微软雅黑" panose="020B0503020204020204" pitchFamily="34" charset="-122"/>
                 <a:ea typeface="微软雅黑" panose="020B0503020204020204" pitchFamily="34" charset="-122"/>
               </a:rPr>
-              <a:t>Functional Analysis fo</a:t>
-            </a:r>
-            <a:r>
-              <a:rPr lang="en-US" altLang="zh-CN" sz="5400" b="1" dirty="0" smtClean="0">
-                <a:solidFill>
-                  <a:schemeClr val="bg1"/>
-                </a:solidFill>
-                <a:latin typeface="微软雅黑" panose="020B0503020204020204" pitchFamily="34" charset="-122"/>
-                <a:ea typeface="微软雅黑" panose="020B0503020204020204" pitchFamily="34" charset="-122"/>
-              </a:rPr>
-              <a:t>r</a:t>
+              <a:t>Functional Analysis for</a:t>
             </a:r>
           </a:p>
           <a:p>
@@ -3159,7 +3149,7 @@
         </p:nvSpPr>
         <p:spPr>
           <a:xfrm>
-            <a:off x="3141784" y="1767254"/>
+            <a:off x="989134" y="1767254"/>
             <a:ext cx="4305299" cy="2998177"/>
           </a:xfrm>
           <a:prstGeom prst="rect">
@@ -3201,216 +3191,6 @@
       </p:sp>
       <p:sp>
         <p:nvSpPr>
-          <p:cNvPr id="4" name="文本框 3"/>
-          <p:cNvSpPr txBox="1"/>
-          <p:nvPr/>
-        </p:nvSpPr>
-        <p:spPr>
-          <a:xfrm>
-            <a:off x="63259" y="452804"/>
-            <a:ext cx="2946640" cy="3170099"/>
-          </a:xfrm>
-          <a:prstGeom prst="rect">
-            <a:avLst/>
-          </a:prstGeom>
-          <a:noFill/>
-        </p:spPr>
-        <p:txBody>
-          <a:bodyPr wrap="none" rtlCol="0">
-            <a:spAutoFit/>
-          </a:bodyPr>
-          <a:lstStyle/>
-          <a:p>
-            <a:pPr algn="r"/>
-            <a:r>
-              <a:rPr lang="en-US" altLang="zh-CN" sz="4000" b="1" dirty="0">
-                <a:latin typeface="微软雅黑" panose="020B0503020204020204" pitchFamily="34" charset="-122"/>
-                <a:ea typeface="微软雅黑" panose="020B0503020204020204" pitchFamily="34" charset="-122"/>
-              </a:rPr>
-              <a:t>White</a:t>
-            </a:r>
-          </a:p>
-          <a:p>
-            <a:pPr algn="r"/>
-            <a:r>
-              <a:rPr lang="en-US" altLang="zh-CN" sz="4000" b="1" dirty="0">
-                <a:latin typeface="微软雅黑" panose="020B0503020204020204" pitchFamily="34" charset="-122"/>
-                <a:ea typeface="微软雅黑" panose="020B0503020204020204" pitchFamily="34" charset="-122"/>
-              </a:rPr>
-              <a:t>something</a:t>
-            </a:r>
-          </a:p>
-          <a:p>
-            <a:pPr algn="r"/>
-            <a:r>
-              <a:rPr lang="en-US" altLang="zh-CN" sz="4000" b="1" dirty="0">
-                <a:latin typeface="微软雅黑" panose="020B0503020204020204" pitchFamily="34" charset="-122"/>
-                <a:ea typeface="微软雅黑" panose="020B0503020204020204" pitchFamily="34" charset="-122"/>
-              </a:rPr>
-              <a:t>here</a:t>
-            </a:r>
-          </a:p>
-          <a:p>
-            <a:pPr algn="r"/>
-            <a:r>
-              <a:rPr lang="en-US" altLang="zh-CN" sz="4000" b="1" dirty="0">
-                <a:latin typeface="微软雅黑" panose="020B0503020204020204" pitchFamily="34" charset="-122"/>
-                <a:ea typeface="微软雅黑" panose="020B0503020204020204" pitchFamily="34" charset="-122"/>
-              </a:rPr>
-              <a:t>Such as</a:t>
-            </a:r>
-          </a:p>
-          <a:p>
-            <a:pPr algn="r"/>
-            <a:r>
-              <a:rPr lang="en-US" altLang="zh-CN" sz="4000" b="1" dirty="0">
-                <a:solidFill>
-                  <a:srgbClr val="00ABB4"/>
-                </a:solidFill>
-                <a:latin typeface="微软雅黑" panose="020B0503020204020204" pitchFamily="34" charset="-122"/>
-                <a:ea typeface="微软雅黑" panose="020B0503020204020204" pitchFamily="34" charset="-122"/>
-              </a:rPr>
-              <a:t>Title</a:t>
-            </a:r>
-          </a:p>
-        </p:txBody>
-      </p:sp>
-      <p:sp>
-        <p:nvSpPr>
-          <p:cNvPr id="5" name="文本框 4"/>
-          <p:cNvSpPr txBox="1"/>
-          <p:nvPr/>
-        </p:nvSpPr>
-        <p:spPr>
-          <a:xfrm>
-            <a:off x="630175" y="3998817"/>
-            <a:ext cx="2379724" cy="923330"/>
-          </a:xfrm>
-          <a:prstGeom prst="rect">
-            <a:avLst/>
-          </a:prstGeom>
-          <a:noFill/>
-        </p:spPr>
-        <p:txBody>
-          <a:bodyPr wrap="square" rtlCol="0">
-            <a:spAutoFit/>
-          </a:bodyPr>
-          <a:lstStyle/>
-          <a:p>
-            <a:pPr algn="r"/>
-            <a:r>
-              <a:rPr lang="en-US" altLang="zh-CN" dirty="0">
-                <a:solidFill>
-                  <a:schemeClr val="bg1">
-                    <a:lumMod val="50000"/>
-                  </a:schemeClr>
-                </a:solidFill>
-                <a:ea typeface="Roboto Cn" pitchFamily="2" charset="0"/>
-                <a:cs typeface="Arial" panose="020B0604020202020204" pitchFamily="34" charset="0"/>
-              </a:rPr>
-              <a:t>Lorem ipsum dolor sit </a:t>
-            </a:r>
-            <a:r>
-              <a:rPr lang="en-US" altLang="zh-CN" dirty="0" err="1">
-                <a:solidFill>
-                  <a:schemeClr val="bg1">
-                    <a:lumMod val="50000"/>
-                  </a:schemeClr>
-                </a:solidFill>
-                <a:ea typeface="Roboto Cn" pitchFamily="2" charset="0"/>
-                <a:cs typeface="Arial" panose="020B0604020202020204" pitchFamily="34" charset="0"/>
-              </a:rPr>
-              <a:t>amet</a:t>
-            </a:r>
-            <a:r>
-              <a:rPr lang="en-US" altLang="zh-CN" dirty="0">
-                <a:solidFill>
-                  <a:schemeClr val="bg1">
-                    <a:lumMod val="50000"/>
-                  </a:schemeClr>
-                </a:solidFill>
-                <a:ea typeface="Roboto Cn" pitchFamily="2" charset="0"/>
-                <a:cs typeface="Arial" panose="020B0604020202020204" pitchFamily="34" charset="0"/>
-              </a:rPr>
-              <a:t>, </a:t>
-            </a:r>
-            <a:r>
-              <a:rPr lang="en-US" altLang="zh-CN" dirty="0" err="1">
-                <a:solidFill>
-                  <a:schemeClr val="bg1">
-                    <a:lumMod val="50000"/>
-                  </a:schemeClr>
-                </a:solidFill>
-                <a:ea typeface="Roboto Cn" pitchFamily="2" charset="0"/>
-                <a:cs typeface="Arial" panose="020B0604020202020204" pitchFamily="34" charset="0"/>
-              </a:rPr>
-              <a:t>consectetur</a:t>
-            </a:r>
-            <a:r>
-              <a:rPr lang="en-US" altLang="zh-CN" dirty="0">
-                <a:solidFill>
-                  <a:schemeClr val="bg1">
-                    <a:lumMod val="50000"/>
-                  </a:schemeClr>
-                </a:solidFill>
-                <a:ea typeface="Roboto Cn" pitchFamily="2" charset="0"/>
-                <a:cs typeface="Arial" panose="020B0604020202020204" pitchFamily="34" charset="0"/>
-              </a:rPr>
-              <a:t> </a:t>
-            </a:r>
-            <a:r>
-              <a:rPr lang="en-US" altLang="zh-CN" dirty="0" err="1">
-                <a:solidFill>
-                  <a:schemeClr val="bg1">
-                    <a:lumMod val="50000"/>
-                  </a:schemeClr>
-                </a:solidFill>
-                <a:ea typeface="Roboto Cn" pitchFamily="2" charset="0"/>
-                <a:cs typeface="Arial" panose="020B0604020202020204" pitchFamily="34" charset="0"/>
-              </a:rPr>
-              <a:t>adipiscing</a:t>
-            </a:r>
-            <a:r>
-              <a:rPr lang="en-US" altLang="zh-CN" dirty="0">
-                <a:solidFill>
-                  <a:schemeClr val="bg1">
-                    <a:lumMod val="50000"/>
-                  </a:schemeClr>
-                </a:solidFill>
-                <a:ea typeface="Roboto Cn" pitchFamily="2" charset="0"/>
-                <a:cs typeface="Arial" panose="020B0604020202020204" pitchFamily="34" charset="0"/>
-              </a:rPr>
-              <a:t> </a:t>
-            </a:r>
-            <a:r>
-              <a:rPr lang="en-US" altLang="zh-CN" dirty="0" err="1">
-                <a:solidFill>
-                  <a:schemeClr val="bg1">
-                    <a:lumMod val="50000"/>
-                  </a:schemeClr>
-                </a:solidFill>
-                <a:ea typeface="Roboto Cn" pitchFamily="2" charset="0"/>
-                <a:cs typeface="Arial" panose="020B0604020202020204" pitchFamily="34" charset="0"/>
-              </a:rPr>
-              <a:t>elit</a:t>
-            </a:r>
-            <a:r>
-              <a:rPr lang="en-US" altLang="zh-CN" dirty="0">
-                <a:solidFill>
-                  <a:schemeClr val="bg1">
-                    <a:lumMod val="50000"/>
-                  </a:schemeClr>
-                </a:solidFill>
-                <a:ea typeface="Roboto Cn" pitchFamily="2" charset="0"/>
-                <a:cs typeface="Arial" panose="020B0604020202020204" pitchFamily="34" charset="0"/>
-              </a:rPr>
-              <a:t>. </a:t>
-            </a:r>
-          </a:p>
-        </p:txBody>
-      </p:sp>
-      <p:sp>
-        <p:nvSpPr>
           <p:cNvPr id="9" name="矩形 8"/>
           <p:cNvSpPr/>
           <p:nvPr/>
@@ -3459,20 +3239,22 @@
       </p:sp>
       <p:sp>
         <p:nvSpPr>
-          <p:cNvPr id="11" name="矩形 10"/>
+          <p:cNvPr id="12" name="矩形 11"/>
           <p:cNvSpPr/>
           <p:nvPr/>
         </p:nvSpPr>
         <p:spPr>
           <a:xfrm>
-            <a:off x="1536579" y="3756620"/>
-            <a:ext cx="1349496" cy="104775"/>
+            <a:off x="10588867" y="2977768"/>
+            <a:ext cx="1603132" cy="1767254"/>
           </a:xfrm>
           <a:prstGeom prst="rect">
             <a:avLst/>
           </a:prstGeom>
           <a:solidFill>
-            <a:srgbClr val="00ABB4"/>
+            <a:srgbClr val="00ABB4">
+              <a:alpha val="81000"/>
+            </a:srgbClr>
           </a:solidFill>
           <a:ln>
             <a:noFill/>
@@ -3503,82 +3285,98 @@
           </a:p>
         </p:txBody>
       </p:sp>
-      <p:sp>
-        <p:nvSpPr>
-          <p:cNvPr id="12" name="矩形 11"/>
-          <p:cNvSpPr/>
-          <p:nvPr/>
-        </p:nvSpPr>
-        <p:spPr>
-          <a:xfrm>
-            <a:off x="10588867" y="2977768"/>
-            <a:ext cx="1603132" cy="1767254"/>
-          </a:xfrm>
-          <a:prstGeom prst="rect">
-            <a:avLst/>
-          </a:prstGeom>
-          <a:solidFill>
-            <a:srgbClr val="00ABB4">
-              <a:alpha val="81000"/>
-            </a:srgbClr>
-          </a:solidFill>
-          <a:ln>
-            <a:noFill/>
-          </a:ln>
-        </p:spPr>
-        <p:style>
-          <a:lnRef idx="2">
-            <a:schemeClr val="accent1">
-              <a:shade val="50000"/>
-            </a:schemeClr>
-          </a:lnRef>
-          <a:fillRef idx="1">
-            <a:schemeClr val="accent1"/>
-          </a:fillRef>
-          <a:effectRef idx="0">
-            <a:schemeClr val="accent1"/>
-          </a:effectRef>
-          <a:fontRef idx="minor">
-            <a:schemeClr val="lt1"/>
-          </a:fontRef>
-        </p:style>
-        <p:txBody>
-          <a:bodyPr rtlCol="0" anchor="ctr"/>
-          <a:lstStyle/>
-          <a:p>
-            <a:pPr algn="ctr"/>
-            <a:endParaRPr lang="zh-CN" altLang="en-US"/>
-          </a:p>
-        </p:txBody>
-      </p:sp>
       <p:pic>
         <p:nvPicPr>
-          <p:cNvPr id="2" name="图片 1"/>
+          <p:cNvPr id="3074" name="Picture 2"/>
           <p:cNvPicPr>
-            <a:picLocks noChangeAspect="1"/>
+            <a:picLocks noChangeAspect="1" noChangeArrowheads="1"/>
           </p:cNvPicPr>
           <p:nvPr/>
         </p:nvPicPr>
         <p:blipFill>
-          <a:blip r:embed="rId2"/>
+          <a:blip r:embed="rId2">
+            <a:extLst>
+              <a:ext uri="{28A0092B-C50C-407E-A947-70E740481C1C}">
+                <a14:useLocalDpi xmlns:a14="http://schemas.microsoft.com/office/drawing/2010/main" val="0"/>
+              </a:ext>
+            </a:extLst>
+          </a:blip>
+          <a:srcRect/>
           <a:stretch>
             <a:fillRect/>
           </a:stretch>
         </p:blipFill>
-        <p:spPr>
-          <a:xfrm>
-            <a:off x="3542580" y="917588"/>
-            <a:ext cx="8481061" cy="5132848"/>
+        <p:spPr bwMode="auto">
+          <a:xfrm>
+            <a:off x="1518623" y="849084"/>
+            <a:ext cx="10158735" cy="5343525"/>
           </a:xfrm>
           <a:prstGeom prst="rect">
             <a:avLst/>
           </a:prstGeom>
+          <a:noFill/>
+          <a:ln>
+            <a:noFill/>
+          </a:ln>
+          <a:extLst>
+            <a:ext uri="{909E8E84-426E-40DD-AFC4-6F175D3DCCD1}">
+              <a14:hiddenFill xmlns:a14="http://schemas.microsoft.com/office/drawing/2010/main">
+                <a:solidFill>
+                  <a:schemeClr val="accent1"/>
+                </a:solidFill>
+              </a14:hiddenFill>
+            </a:ext>
+            <a:ext uri="{91240B29-F687-4F45-9708-019B960494DF}">
+              <a14:hiddenLine xmlns:a14="http://schemas.microsoft.com/office/drawing/2010/main" w="9525">
+                <a:solidFill>
+                  <a:schemeClr val="tx1"/>
+                </a:solidFill>
+                <a:miter lim="800000"/>
+                <a:headEnd/>
+                <a:tailEnd/>
+              </a14:hiddenLine>
+            </a:ext>
+          </a:extLst>
         </p:spPr>
       </p:pic>
+      <p:sp>
+        <p:nvSpPr>
+          <p:cNvPr id="8" name="文本框 9"/>
+          <p:cNvSpPr txBox="1"/>
+          <p:nvPr/>
+        </p:nvSpPr>
+        <p:spPr>
+          <a:xfrm>
+            <a:off x="989134" y="461099"/>
+            <a:ext cx="10654111" cy="400110"/>
+          </a:xfrm>
+          <a:prstGeom prst="rect">
+            <a:avLst/>
+          </a:prstGeom>
+          <a:noFill/>
+        </p:spPr>
+        <p:txBody>
+          <a:bodyPr wrap="square" rtlCol="0">
+            <a:spAutoFit/>
+          </a:bodyPr>
+          <a:lstStyle/>
+          <a:p>
+            <a:r>
+              <a:rPr lang="en-US" altLang="zh-CN" sz="2000" dirty="0" smtClean="0"/>
+              <a:t>Amygdaloid region </a:t>
+            </a:r>
+            <a:endParaRPr lang="zh-CN" altLang="en-US" sz="2000" dirty="0">
+              <a:latin typeface="Meiryo" panose="020B0604030504040204" pitchFamily="34" charset="-128"/>
+              <a:ea typeface="Meiryo" panose="020B0604030504040204" pitchFamily="34" charset="-128"/>
+              <a:cs typeface="Meiryo" panose="020B0604030504040204" pitchFamily="34" charset="-128"/>
+            </a:endParaRPr>
+          </a:p>
+        </p:txBody>
+      </p:sp>
     </p:spTree>
     <p:extLst>
       <p:ext uri="{BB962C8B-B14F-4D97-AF65-F5344CB8AC3E}">
-        <p14:creationId xmlns:p14="http://schemas.microsoft.com/office/powerpoint/2010/main" val="2680231689"/>
+        <p14:creationId xmlns:p14="http://schemas.microsoft.com/office/powerpoint/2010/main" val="2334872283"/>
       </p:ext>
     </p:extLst>
   </p:cSld>
@@ -3668,7 +3466,7 @@
         </p:nvSpPr>
         <p:spPr>
           <a:xfrm>
-            <a:off x="3141784" y="1767254"/>
+            <a:off x="989134" y="1767254"/>
             <a:ext cx="4305299" cy="2998177"/>
           </a:xfrm>
           <a:prstGeom prst="rect">
@@ -3710,216 +3508,6 @@
       </p:sp>
       <p:sp>
         <p:nvSpPr>
-          <p:cNvPr id="4" name="文本框 3"/>
-          <p:cNvSpPr txBox="1"/>
-          <p:nvPr/>
-        </p:nvSpPr>
-        <p:spPr>
-          <a:xfrm>
-            <a:off x="63259" y="452804"/>
-            <a:ext cx="2946640" cy="3170099"/>
-          </a:xfrm>
-          <a:prstGeom prst="rect">
-            <a:avLst/>
-          </a:prstGeom>
-          <a:noFill/>
-        </p:spPr>
-        <p:txBody>
-          <a:bodyPr wrap="none" rtlCol="0">
-            <a:spAutoFit/>
-          </a:bodyPr>
-          <a:lstStyle/>
-          <a:p>
-            <a:pPr algn="r"/>
-            <a:r>
-              <a:rPr lang="en-US" altLang="zh-CN" sz="4000" b="1" dirty="0">
-                <a:latin typeface="微软雅黑" panose="020B0503020204020204" pitchFamily="34" charset="-122"/>
-                <a:ea typeface="微软雅黑" panose="020B0503020204020204" pitchFamily="34" charset="-122"/>
-              </a:rPr>
-              <a:t>White</a:t>
-            </a:r>
-          </a:p>
-          <a:p>
-            <a:pPr algn="r"/>
-            <a:r>
-              <a:rPr lang="en-US" altLang="zh-CN" sz="4000" b="1" dirty="0">
-                <a:latin typeface="微软雅黑" panose="020B0503020204020204" pitchFamily="34" charset="-122"/>
-                <a:ea typeface="微软雅黑" panose="020B0503020204020204" pitchFamily="34" charset="-122"/>
-              </a:rPr>
-              <a:t>something</a:t>
-            </a:r>
-          </a:p>
-          <a:p>
-            <a:pPr algn="r"/>
-            <a:r>
-              <a:rPr lang="en-US" altLang="zh-CN" sz="4000" b="1" dirty="0">
-                <a:latin typeface="微软雅黑" panose="020B0503020204020204" pitchFamily="34" charset="-122"/>
-                <a:ea typeface="微软雅黑" panose="020B0503020204020204" pitchFamily="34" charset="-122"/>
-              </a:rPr>
-              <a:t>here</a:t>
-            </a:r>
-          </a:p>
-          <a:p>
-            <a:pPr algn="r"/>
-            <a:r>
-              <a:rPr lang="en-US" altLang="zh-CN" sz="4000" b="1" dirty="0">
-                <a:latin typeface="微软雅黑" panose="020B0503020204020204" pitchFamily="34" charset="-122"/>
-                <a:ea typeface="微软雅黑" panose="020B0503020204020204" pitchFamily="34" charset="-122"/>
-              </a:rPr>
-              <a:t>Such as</a:t>
-            </a:r>
-          </a:p>
-          <a:p>
-            <a:pPr algn="r"/>
-            <a:r>
-              <a:rPr lang="en-US" altLang="zh-CN" sz="4000" b="1" dirty="0">
-                <a:solidFill>
-                  <a:srgbClr val="00ABB4"/>
-                </a:solidFill>
-                <a:latin typeface="微软雅黑" panose="020B0503020204020204" pitchFamily="34" charset="-122"/>
-                <a:ea typeface="微软雅黑" panose="020B0503020204020204" pitchFamily="34" charset="-122"/>
-              </a:rPr>
-              <a:t>Title</a:t>
-            </a:r>
-          </a:p>
-        </p:txBody>
-      </p:sp>
-      <p:sp>
-        <p:nvSpPr>
-          <p:cNvPr id="5" name="文本框 4"/>
-          <p:cNvSpPr txBox="1"/>
-          <p:nvPr/>
-        </p:nvSpPr>
-        <p:spPr>
-          <a:xfrm>
-            <a:off x="630175" y="3998817"/>
-            <a:ext cx="2379724" cy="923330"/>
-          </a:xfrm>
-          <a:prstGeom prst="rect">
-            <a:avLst/>
-          </a:prstGeom>
-          <a:noFill/>
-        </p:spPr>
-        <p:txBody>
-          <a:bodyPr wrap="square" rtlCol="0">
-            <a:spAutoFit/>
-          </a:bodyPr>
-          <a:lstStyle/>
-          <a:p>
-            <a:pPr algn="r"/>
-            <a:r>
-              <a:rPr lang="en-US" altLang="zh-CN" dirty="0">
-                <a:solidFill>
-                  <a:schemeClr val="bg1">
-                    <a:lumMod val="50000"/>
-                  </a:schemeClr>
-                </a:solidFill>
-                <a:ea typeface="Roboto Cn" pitchFamily="2" charset="0"/>
-                <a:cs typeface="Arial" panose="020B0604020202020204" pitchFamily="34" charset="0"/>
-              </a:rPr>
-              <a:t>Lorem ipsum dolor sit </a:t>
-            </a:r>
-            <a:r>
-              <a:rPr lang="en-US" altLang="zh-CN" dirty="0" err="1">
-                <a:solidFill>
-                  <a:schemeClr val="bg1">
-                    <a:lumMod val="50000"/>
-                  </a:schemeClr>
-                </a:solidFill>
-                <a:ea typeface="Roboto Cn" pitchFamily="2" charset="0"/>
-                <a:cs typeface="Arial" panose="020B0604020202020204" pitchFamily="34" charset="0"/>
-              </a:rPr>
-              <a:t>amet</a:t>
-            </a:r>
-            <a:r>
-              <a:rPr lang="en-US" altLang="zh-CN" dirty="0">
-                <a:solidFill>
-                  <a:schemeClr val="bg1">
-                    <a:lumMod val="50000"/>
-                  </a:schemeClr>
-                </a:solidFill>
-                <a:ea typeface="Roboto Cn" pitchFamily="2" charset="0"/>
-                <a:cs typeface="Arial" panose="020B0604020202020204" pitchFamily="34" charset="0"/>
-              </a:rPr>
-              <a:t>, </a:t>
-            </a:r>
-            <a:r>
-              <a:rPr lang="en-US" altLang="zh-CN" dirty="0" err="1">
-                <a:solidFill>
-                  <a:schemeClr val="bg1">
-                    <a:lumMod val="50000"/>
-                  </a:schemeClr>
-                </a:solidFill>
-                <a:ea typeface="Roboto Cn" pitchFamily="2" charset="0"/>
-                <a:cs typeface="Arial" panose="020B0604020202020204" pitchFamily="34" charset="0"/>
-              </a:rPr>
-              <a:t>consectetur</a:t>
-            </a:r>
-            <a:r>
-              <a:rPr lang="en-US" altLang="zh-CN" dirty="0">
-                <a:solidFill>
-                  <a:schemeClr val="bg1">
-                    <a:lumMod val="50000"/>
-                  </a:schemeClr>
-                </a:solidFill>
-                <a:ea typeface="Roboto Cn" pitchFamily="2" charset="0"/>
-                <a:cs typeface="Arial" panose="020B0604020202020204" pitchFamily="34" charset="0"/>
-              </a:rPr>
-              <a:t> </a:t>
-            </a:r>
-            <a:r>
-              <a:rPr lang="en-US" altLang="zh-CN" dirty="0" err="1">
-                <a:solidFill>
-                  <a:schemeClr val="bg1">
-                    <a:lumMod val="50000"/>
-                  </a:schemeClr>
-                </a:solidFill>
-                <a:ea typeface="Roboto Cn" pitchFamily="2" charset="0"/>
-                <a:cs typeface="Arial" panose="020B0604020202020204" pitchFamily="34" charset="0"/>
-              </a:rPr>
-              <a:t>adipiscing</a:t>
-            </a:r>
-            <a:r>
-              <a:rPr lang="en-US" altLang="zh-CN" dirty="0">
-                <a:solidFill>
-                  <a:schemeClr val="bg1">
-                    <a:lumMod val="50000"/>
-                  </a:schemeClr>
-                </a:solidFill>
-                <a:ea typeface="Roboto Cn" pitchFamily="2" charset="0"/>
-                <a:cs typeface="Arial" panose="020B0604020202020204" pitchFamily="34" charset="0"/>
-              </a:rPr>
-              <a:t> </a:t>
-            </a:r>
-            <a:r>
-              <a:rPr lang="en-US" altLang="zh-CN" dirty="0" err="1">
-                <a:solidFill>
-                  <a:schemeClr val="bg1">
-                    <a:lumMod val="50000"/>
-                  </a:schemeClr>
-                </a:solidFill>
-                <a:ea typeface="Roboto Cn" pitchFamily="2" charset="0"/>
-                <a:cs typeface="Arial" panose="020B0604020202020204" pitchFamily="34" charset="0"/>
-              </a:rPr>
-              <a:t>elit</a:t>
-            </a:r>
-            <a:r>
-              <a:rPr lang="en-US" altLang="zh-CN" dirty="0">
-                <a:solidFill>
-                  <a:schemeClr val="bg1">
-                    <a:lumMod val="50000"/>
-                  </a:schemeClr>
-                </a:solidFill>
-                <a:ea typeface="Roboto Cn" pitchFamily="2" charset="0"/>
-                <a:cs typeface="Arial" panose="020B0604020202020204" pitchFamily="34" charset="0"/>
-              </a:rPr>
-              <a:t>. </a:t>
-            </a:r>
-          </a:p>
-        </p:txBody>
-      </p:sp>
-      <p:sp>
-        <p:nvSpPr>
           <p:cNvPr id="9" name="矩形 8"/>
           <p:cNvSpPr/>
           <p:nvPr/>
@@ -3968,20 +3556,22 @@
       </p:sp>
       <p:sp>
         <p:nvSpPr>
-          <p:cNvPr id="11" name="矩形 10"/>
+          <p:cNvPr id="12" name="矩形 11"/>
           <p:cNvSpPr/>
           <p:nvPr/>
         </p:nvSpPr>
         <p:spPr>
           <a:xfrm>
-            <a:off x="1536579" y="3756620"/>
-            <a:ext cx="1349496" cy="104775"/>
+            <a:off x="10588867" y="2977768"/>
+            <a:ext cx="1603132" cy="1767254"/>
           </a:xfrm>
           <a:prstGeom prst="rect">
             <a:avLst/>
           </a:prstGeom>
           <a:solidFill>
-            <a:srgbClr val="00ABB4"/>
+            <a:srgbClr val="00ABB4">
+              <a:alpha val="81000"/>
+            </a:srgbClr>
           </a:solidFill>
           <a:ln>
             <a:noFill/>
@@ -4012,82 +3602,106 @@
           </a:p>
         </p:txBody>
       </p:sp>
-      <p:sp>
-        <p:nvSpPr>
-          <p:cNvPr id="12" name="矩形 11"/>
-          <p:cNvSpPr/>
-          <p:nvPr/>
-        </p:nvSpPr>
-        <p:spPr>
-          <a:xfrm>
-            <a:off x="10588867" y="2977768"/>
-            <a:ext cx="1603132" cy="1767254"/>
-          </a:xfrm>
-          <a:prstGeom prst="rect">
-            <a:avLst/>
-          </a:prstGeom>
-          <a:solidFill>
-            <a:srgbClr val="00ABB4">
-              <a:alpha val="81000"/>
-            </a:srgbClr>
-          </a:solidFill>
-          <a:ln>
-            <a:noFill/>
-          </a:ln>
-        </p:spPr>
-        <p:style>
-          <a:lnRef idx="2">
-            <a:schemeClr val="accent1">
-              <a:shade val="50000"/>
-            </a:schemeClr>
-          </a:lnRef>
-          <a:fillRef idx="1">
-            <a:schemeClr val="accent1"/>
-          </a:fillRef>
-          <a:effectRef idx="0">
-            <a:schemeClr val="accent1"/>
-          </a:effectRef>
-          <a:fontRef idx="minor">
-            <a:schemeClr val="lt1"/>
-          </a:fontRef>
-        </p:style>
-        <p:txBody>
-          <a:bodyPr rtlCol="0" anchor="ctr"/>
-          <a:lstStyle/>
-          <a:p>
-            <a:pPr algn="ctr"/>
-            <a:endParaRPr lang="zh-CN" altLang="en-US"/>
-          </a:p>
-        </p:txBody>
-      </p:sp>
       <p:pic>
         <p:nvPicPr>
-          <p:cNvPr id="2" name="图片 1"/>
+          <p:cNvPr id="4098" name="Picture 2"/>
           <p:cNvPicPr>
-            <a:picLocks noChangeAspect="1"/>
+            <a:picLocks noChangeAspect="1" noChangeArrowheads="1"/>
           </p:cNvPicPr>
           <p:nvPr/>
         </p:nvPicPr>
         <p:blipFill>
-          <a:blip r:embed="rId2"/>
+          <a:blip r:embed="rId2">
+            <a:extLst>
+              <a:ext uri="{28A0092B-C50C-407E-A947-70E740481C1C}">
+                <a14:useLocalDpi xmlns:a14="http://schemas.microsoft.com/office/drawing/2010/main" val="0"/>
+              </a:ext>
+            </a:extLst>
+          </a:blip>
+          <a:srcRect/>
           <a:stretch>
             <a:fillRect/>
           </a:stretch>
         </p:blipFill>
-        <p:spPr>
-          <a:xfrm>
-            <a:off x="3429324" y="1066988"/>
-            <a:ext cx="8546935" cy="5111829"/>
+        <p:spPr bwMode="auto">
+          <a:xfrm>
+            <a:off x="1567610" y="849087"/>
+            <a:ext cx="10210486" cy="5299302"/>
           </a:xfrm>
           <a:prstGeom prst="rect">
             <a:avLst/>
           </a:prstGeom>
+          <a:noFill/>
+          <a:ln>
+            <a:noFill/>
+          </a:ln>
+          <a:extLst>
+            <a:ext uri="{909E8E84-426E-40DD-AFC4-6F175D3DCCD1}">
+              <a14:hiddenFill xmlns:a14="http://schemas.microsoft.com/office/drawing/2010/main">
+                <a:solidFill>
+                  <a:schemeClr val="accent1"/>
+                </a:solidFill>
+              </a14:hiddenFill>
+            </a:ext>
+            <a:ext uri="{91240B29-F687-4F45-9708-019B960494DF}">
+              <a14:hiddenLine xmlns:a14="http://schemas.microsoft.com/office/drawing/2010/main" w="9525">
+                <a:solidFill>
+                  <a:schemeClr val="tx1"/>
+                </a:solidFill>
+                <a:miter lim="800000"/>
+                <a:headEnd/>
+                <a:tailEnd/>
+              </a14:hiddenLine>
+            </a:ext>
+          </a:extLst>
         </p:spPr>
       </p:pic>
+      <p:sp>
+        <p:nvSpPr>
+          <p:cNvPr id="7" name="文本框 9"/>
+          <p:cNvSpPr txBox="1"/>
+          <p:nvPr/>
+        </p:nvSpPr>
+        <p:spPr>
+          <a:xfrm>
+            <a:off x="989134" y="319087"/>
+            <a:ext cx="10654111" cy="400110"/>
+          </a:xfrm>
+          <a:prstGeom prst="rect">
+            <a:avLst/>
+          </a:prstGeom>
+          <a:noFill/>
+        </p:spPr>
+        <p:txBody>
+          <a:bodyPr wrap="square" rtlCol="0">
+            <a:spAutoFit/>
+          </a:bodyPr>
+          <a:lstStyle/>
+          <a:p>
+            <a:r>
+              <a:rPr lang="en-US" altLang="zh-CN" sz="2000" dirty="0" smtClean="0"/>
+              <a:t>Entorhinal &amp; Amygdaloid </a:t>
+            </a:r>
+            <a:r>
+              <a:rPr lang="en-US" altLang="zh-CN" sz="2000" dirty="0" smtClean="0">
+                <a:latin typeface="Meiryo" panose="020B0604030504040204" pitchFamily="34" charset="-128"/>
+                <a:ea typeface="Meiryo" panose="020B0604030504040204" pitchFamily="34" charset="-128"/>
+                <a:cs typeface="Meiryo" panose="020B0604030504040204" pitchFamily="34" charset="-128"/>
+              </a:rPr>
+              <a:t>regions</a:t>
+            </a:r>
+            <a:endParaRPr lang="zh-CN" altLang="en-US" sz="2000" dirty="0">
+              <a:latin typeface="Meiryo" panose="020B0604030504040204" pitchFamily="34" charset="-128"/>
+              <a:ea typeface="Meiryo" panose="020B0604030504040204" pitchFamily="34" charset="-128"/>
+              <a:cs typeface="Meiryo" panose="020B0604030504040204" pitchFamily="34" charset="-128"/>
+            </a:endParaRPr>
+          </a:p>
+        </p:txBody>
+      </p:sp>
     </p:spTree>
     <p:extLst>
       <p:ext uri="{BB962C8B-B14F-4D97-AF65-F5344CB8AC3E}">
-        <p14:creationId xmlns:p14="http://schemas.microsoft.com/office/powerpoint/2010/main" val="1226224936"/>
+        <p14:creationId xmlns:p14="http://schemas.microsoft.com/office/powerpoint/2010/main" val="2334872283"/>
       </p:ext>
     </p:extLst>
   </p:cSld>
@@ -4567,30 +4181,6 @@
           </a:p>
         </p:txBody>
       </p:sp>
-      <p:pic>
-        <p:nvPicPr>
-          <p:cNvPr id="11" name="图片 10"/>
-          <p:cNvPicPr>
-            <a:picLocks noChangeAspect="1"/>
-          </p:cNvPicPr>
-          <p:nvPr/>
-        </p:nvPicPr>
-        <p:blipFill>
-          <a:blip r:embed="rId2"/>
-          <a:stretch>
-            <a:fillRect/>
-          </a:stretch>
-        </p:blipFill>
-        <p:spPr>
-          <a:xfrm>
-            <a:off x="1210962" y="2653475"/>
-            <a:ext cx="11010518" cy="2064766"/>
-          </a:xfrm>
-          <a:prstGeom prst="rect">
-            <a:avLst/>
-          </a:prstGeom>
-        </p:spPr>
-      </p:pic>
       <p:sp>
         <p:nvSpPr>
           <p:cNvPr id="13" name="文本框 12"/>
@@ -4613,13 +4203,29 @@
           </a:bodyPr>
           <a:lstStyle/>
           <a:p>
+            <a:r>
+              <a:rPr lang="en-US" altLang="zh-CN" sz="2000" dirty="0"/>
+              <a:t>Amygdaloid </a:t>
+            </a:r>
+            <a:r>
+              <a:rPr lang="en-US" altLang="zh-CN" sz="2000" dirty="0" smtClean="0"/>
+              <a:t>region</a:t>
+            </a:r>
             <a:r>
               <a:rPr lang="en-US" altLang="zh-CN" sz="2000" dirty="0" smtClean="0">
                 <a:latin typeface="Meiryo" panose="020B0604030504040204" pitchFamily="34" charset="-128"/>
                 <a:ea typeface="Meiryo" panose="020B0604030504040204" pitchFamily="34" charset="-128"/>
                 <a:cs typeface="Meiryo" panose="020B0604030504040204" pitchFamily="34" charset="-128"/>
               </a:rPr>
-              <a:t>Regions including</a:t>
+              <a:t> </a:t>
+            </a:r>
+            <a:r>
+              <a:rPr lang="en-US" altLang="zh-CN" sz="2000" dirty="0" smtClean="0">
+                <a:latin typeface="Meiryo" panose="020B0604030504040204" pitchFamily="34" charset="-128"/>
+                <a:ea typeface="Meiryo" panose="020B0604030504040204" pitchFamily="34" charset="-128"/>
+                <a:cs typeface="Meiryo" panose="020B0604030504040204" pitchFamily="34" charset="-128"/>
+              </a:rPr>
+              <a:t>including</a:t>
             </a:r>
             <a:r>
               <a:rPr lang="zh-CN" altLang="en-US" sz="2000" dirty="0" smtClean="0">
@@ -4723,6 +4329,60 @@
           </a:p>
         </p:txBody>
       </p:sp>
+      <p:pic>
+        <p:nvPicPr>
+          <p:cNvPr id="5123" name="Picture 3"/>
+          <p:cNvPicPr>
+            <a:picLocks noChangeAspect="1" noChangeArrowheads="1"/>
+          </p:cNvPicPr>
+          <p:nvPr/>
+        </p:nvPicPr>
+        <p:blipFill>
+          <a:blip r:embed="rId2">
+            <a:extLst>
+              <a:ext uri="{28A0092B-C50C-407E-A947-70E740481C1C}">
+                <a14:useLocalDpi xmlns:a14="http://schemas.microsoft.com/office/drawing/2010/main" val="0"/>
+              </a:ext>
+            </a:extLst>
+          </a:blip>
+          <a:srcRect/>
+          <a:stretch>
+            <a:fillRect/>
+          </a:stretch>
+        </p:blipFill>
+        <p:spPr bwMode="auto">
+          <a:xfrm>
+            <a:off x="1278360" y="2498273"/>
+            <a:ext cx="10817137" cy="2176097"/>
+          </a:xfrm>
+          <a:prstGeom prst="rect">
+            <a:avLst/>
+          </a:prstGeom>
+          <a:noFill/>
+          <a:ln>
+            <a:noFill/>
+          </a:ln>
+          <a:extLst>
+            <a:ext uri="{909E8E84-426E-40DD-AFC4-6F175D3DCCD1}">
+              <a14:hiddenFill xmlns:a14="http://schemas.microsoft.com/office/drawing/2010/main">
+                <a:solidFill>
+                  <a:schemeClr val="accent1"/>
+                </a:solidFill>
+              </a14:hiddenFill>
+            </a:ext>
+            <a:ext uri="{91240B29-F687-4F45-9708-019B960494DF}">
+              <a14:hiddenLine xmlns:a14="http://schemas.microsoft.com/office/drawing/2010/main" w="9525">
+                <a:solidFill>
+                  <a:schemeClr val="tx1"/>
+                </a:solidFill>
+                <a:miter lim="800000"/>
+                <a:headEnd/>
+                <a:tailEnd/>
+              </a14:hiddenLine>
+            </a:ext>
+          </a:extLst>
+        </p:spPr>
+      </p:pic>
     </p:spTree>
     <p:extLst>
       <p:ext uri="{BB962C8B-B14F-4D97-AF65-F5344CB8AC3E}">
@@ -4898,30 +4558,6 @@
           </a:p>
         </p:txBody>
       </p:sp>
-      <p:pic>
-        <p:nvPicPr>
-          <p:cNvPr id="2" name="图片 1"/>
-          <p:cNvPicPr>
-            <a:picLocks noChangeAspect="1"/>
-          </p:cNvPicPr>
-          <p:nvPr/>
-        </p:nvPicPr>
-        <p:blipFill>
-          <a:blip r:embed="rId2"/>
-          <a:stretch>
-            <a:fillRect/>
-          </a:stretch>
-        </p:blipFill>
-        <p:spPr>
-          <a:xfrm>
-            <a:off x="1595031" y="1277477"/>
-            <a:ext cx="10596969" cy="3952634"/>
-          </a:xfrm>
-          <a:prstGeom prst="rect">
-            <a:avLst/>
-          </a:prstGeom>
-        </p:spPr>
-      </p:pic>
       <p:sp>
         <p:nvSpPr>
           <p:cNvPr id="10" name="文本框 9"/>
@@ -4945,36 +4581,12 @@
           <a:lstStyle/>
           <a:p>
             <a:r>
-              <a:rPr lang="en-US" altLang="zh-CN" sz="2000" dirty="0" smtClean="0">
-                <a:latin typeface="Meiryo" panose="020B0604030504040204" pitchFamily="34" charset="-128"/>
-                <a:ea typeface="Meiryo" panose="020B0604030504040204" pitchFamily="34" charset="-128"/>
-                <a:cs typeface="Meiryo" panose="020B0604030504040204" pitchFamily="34" charset="-128"/>
-              </a:rPr>
-              <a:t>Regions 1 </a:t>
-            </a:r>
-            <a:r>
-              <a:rPr lang="zh-CN" altLang="en-US" sz="2000" dirty="0">
-                <a:latin typeface="Meiryo" panose="020B0604030504040204" pitchFamily="34" charset="-128"/>
-                <a:ea typeface="Meiryo" panose="020B0604030504040204" pitchFamily="34" charset="-128"/>
-                <a:cs typeface="Meiryo" panose="020B0604030504040204" pitchFamily="34" charset="-128"/>
-              </a:rPr>
-              <a:t>（</a:t>
-            </a:r>
-            <a:r>
-              <a:rPr lang="en-US" altLang="zh-CN" sz="2000" dirty="0">
-                <a:latin typeface="Meiryo" panose="020B0604030504040204" pitchFamily="34" charset="-128"/>
-                <a:ea typeface="Meiryo" panose="020B0604030504040204" pitchFamily="34" charset="-128"/>
-                <a:cs typeface="Meiryo" panose="020B0604030504040204" pitchFamily="34" charset="-128"/>
-              </a:rPr>
-              <a:t>yellow</a:t>
-            </a:r>
-            <a:r>
-              <a:rPr lang="zh-CN" altLang="en-US" sz="2000" dirty="0">
-                <a:latin typeface="Meiryo" panose="020B0604030504040204" pitchFamily="34" charset="-128"/>
-                <a:ea typeface="Meiryo" panose="020B0604030504040204" pitchFamily="34" charset="-128"/>
-                <a:cs typeface="Meiryo" panose="020B0604030504040204" pitchFamily="34" charset="-128"/>
-              </a:rPr>
-              <a:t>）</a:t>
+              <a:rPr lang="en-US" altLang="zh-CN" sz="2000" dirty="0" smtClean="0"/>
+              <a:t>Entorhinal &amp; </a:t>
+            </a:r>
+            <a:r>
+              <a:rPr lang="en-US" altLang="zh-CN" sz="2000" dirty="0" smtClean="0"/>
+              <a:t>Amygdaloid regions </a:t>
             </a:r>
             <a:r>
               <a:rPr lang="en-US" altLang="zh-CN" sz="2000" dirty="0" smtClean="0">
@@ -5150,21 +4762,251 @@
                 <a:ea typeface="Meiryo" panose="020B0604030504040204" pitchFamily="34" charset="-128"/>
                 <a:cs typeface="Meiryo" panose="020B0604030504040204" pitchFamily="34" charset="-128"/>
               </a:rPr>
-              <a:t>(</a:t>
-            </a:r>
-            <a:r>
-              <a:rPr lang="en-US" altLang="zh-CN" sz="2000" dirty="0" smtClean="0">
-                <a:latin typeface="Meiryo" panose="020B0604030504040204" pitchFamily="34" charset="-128"/>
-                <a:ea typeface="Meiryo" panose="020B0604030504040204" pitchFamily="34" charset="-128"/>
-                <a:cs typeface="Meiryo" panose="020B0604030504040204" pitchFamily="34" charset="-128"/>
-              </a:rPr>
-              <a:t>P &lt; 0.01)</a:t>
+              <a:t>(P &lt; 0.01)</a:t>
             </a:r>
             <a:endParaRPr lang="zh-CN" altLang="en-US" sz="2000" dirty="0">
               <a:latin typeface="Meiryo" panose="020B0604030504040204" pitchFamily="34" charset="-128"/>
               <a:ea typeface="Meiryo" panose="020B0604030504040204" pitchFamily="34" charset="-128"/>
               <a:cs typeface="Meiryo" panose="020B0604030504040204" pitchFamily="34" charset="-128"/>
             </a:endParaRPr>
+          </a:p>
+        </p:txBody>
+      </p:sp>
+      <p:pic>
+        <p:nvPicPr>
+          <p:cNvPr id="6146" name="Picture 2"/>
+          <p:cNvPicPr>
+            <a:picLocks noChangeAspect="1" noChangeArrowheads="1"/>
+          </p:cNvPicPr>
+          <p:nvPr/>
+        </p:nvPicPr>
+        <p:blipFill>
+          <a:blip r:embed="rId2">
+            <a:extLst>
+              <a:ext uri="{28A0092B-C50C-407E-A947-70E740481C1C}">
+                <a14:useLocalDpi xmlns:a14="http://schemas.microsoft.com/office/drawing/2010/main" val="0"/>
+              </a:ext>
+            </a:extLst>
+          </a:blip>
+          <a:srcRect/>
+          <a:stretch>
+            <a:fillRect/>
+          </a:stretch>
+        </p:blipFill>
+        <p:spPr bwMode="auto">
+          <a:xfrm>
+            <a:off x="1642139" y="1402025"/>
+            <a:ext cx="10179746" cy="3756959"/>
+          </a:xfrm>
+          <a:prstGeom prst="rect">
+            <a:avLst/>
+          </a:prstGeom>
+          <a:noFill/>
+          <a:ln>
+            <a:noFill/>
+          </a:ln>
+          <a:extLst>
+            <a:ext uri="{909E8E84-426E-40DD-AFC4-6F175D3DCCD1}">
+              <a14:hiddenFill xmlns:a14="http://schemas.microsoft.com/office/drawing/2010/main">
+                <a:solidFill>
+                  <a:schemeClr val="accent1"/>
+                </a:solidFill>
+              </a14:hiddenFill>
+            </a:ext>
+            <a:ext uri="{91240B29-F687-4F45-9708-019B960494DF}">
+              <a14:hiddenLine xmlns:a14="http://schemas.microsoft.com/office/drawing/2010/main" w="9525">
+                <a:solidFill>
+                  <a:schemeClr val="tx1"/>
+                </a:solidFill>
+                <a:miter lim="800000"/>
+                <a:headEnd/>
+                <a:tailEnd/>
+              </a14:hiddenLine>
+            </a:ext>
+          </a:extLst>
+        </p:spPr>
+      </p:pic>
+      <p:sp>
+        <p:nvSpPr>
+          <p:cNvPr id="3" name="矩形 2"/>
+          <p:cNvSpPr/>
+          <p:nvPr/>
+        </p:nvSpPr>
+        <p:spPr>
+          <a:xfrm>
+            <a:off x="3216729" y="4212771"/>
+            <a:ext cx="653142" cy="745734"/>
+          </a:xfrm>
+          <a:prstGeom prst="rect">
+            <a:avLst/>
+          </a:prstGeom>
+          <a:noFill/>
+          <a:ln w="63500">
+            <a:solidFill>
+              <a:srgbClr val="FF0000"/>
+            </a:solidFill>
+          </a:ln>
+        </p:spPr>
+        <p:style>
+          <a:lnRef idx="2">
+            <a:schemeClr val="accent1">
+              <a:shade val="50000"/>
+            </a:schemeClr>
+          </a:lnRef>
+          <a:fillRef idx="1">
+            <a:schemeClr val="accent1"/>
+          </a:fillRef>
+          <a:effectRef idx="0">
+            <a:schemeClr val="accent1"/>
+          </a:effectRef>
+          <a:fontRef idx="minor">
+            <a:schemeClr val="lt1"/>
+          </a:fontRef>
+        </p:style>
+        <p:txBody>
+          <a:bodyPr rtlCol="0" anchor="ctr"/>
+          <a:lstStyle/>
+          <a:p>
+            <a:pPr algn="ctr"/>
+            <a:endParaRPr lang="zh-CN" altLang="en-US"/>
+          </a:p>
+        </p:txBody>
+      </p:sp>
+      <p:sp>
+        <p:nvSpPr>
+          <p:cNvPr id="15" name="矩形 14"/>
+          <p:cNvSpPr/>
+          <p:nvPr/>
+        </p:nvSpPr>
+        <p:spPr>
+          <a:xfrm>
+            <a:off x="10667998" y="2362198"/>
+            <a:ext cx="794657" cy="745734"/>
+          </a:xfrm>
+          <a:prstGeom prst="rect">
+            <a:avLst/>
+          </a:prstGeom>
+          <a:noFill/>
+          <a:ln w="63500">
+            <a:solidFill>
+              <a:srgbClr val="FF0000"/>
+            </a:solidFill>
+          </a:ln>
+        </p:spPr>
+        <p:style>
+          <a:lnRef idx="2">
+            <a:schemeClr val="accent1">
+              <a:shade val="50000"/>
+            </a:schemeClr>
+          </a:lnRef>
+          <a:fillRef idx="1">
+            <a:schemeClr val="accent1"/>
+          </a:fillRef>
+          <a:effectRef idx="0">
+            <a:schemeClr val="accent1"/>
+          </a:effectRef>
+          <a:fontRef idx="minor">
+            <a:schemeClr val="lt1"/>
+          </a:fontRef>
+        </p:style>
+        <p:txBody>
+          <a:bodyPr rtlCol="0" anchor="ctr"/>
+          <a:lstStyle/>
+          <a:p>
+            <a:pPr algn="ctr"/>
+            <a:endParaRPr lang="zh-CN" altLang="en-US"/>
+          </a:p>
+        </p:txBody>
+      </p:sp>
+      <p:sp>
+        <p:nvSpPr>
+          <p:cNvPr id="16" name="矩形 15"/>
+          <p:cNvSpPr/>
+          <p:nvPr/>
+        </p:nvSpPr>
+        <p:spPr>
+          <a:xfrm>
+            <a:off x="8202386" y="2356753"/>
+            <a:ext cx="653142" cy="745734"/>
+          </a:xfrm>
+          <a:prstGeom prst="rect">
+            <a:avLst/>
+          </a:prstGeom>
+          <a:noFill/>
+          <a:ln w="63500">
+            <a:solidFill>
+              <a:srgbClr val="FF0000"/>
+            </a:solidFill>
+          </a:ln>
+        </p:spPr>
+        <p:style>
+          <a:lnRef idx="2">
+            <a:schemeClr val="accent1">
+              <a:shade val="50000"/>
+            </a:schemeClr>
+          </a:lnRef>
+          <a:fillRef idx="1">
+            <a:schemeClr val="accent1"/>
+          </a:fillRef>
+          <a:effectRef idx="0">
+            <a:schemeClr val="accent1"/>
+          </a:effectRef>
+          <a:fontRef idx="minor">
+            <a:schemeClr val="lt1"/>
+          </a:fontRef>
+        </p:style>
+        <p:txBody>
+          <a:bodyPr rtlCol="0" anchor="ctr"/>
+          <a:lstStyle/>
+          <a:p>
+            <a:pPr algn="ctr"/>
+            <a:endParaRPr lang="zh-CN" altLang="en-US"/>
+          </a:p>
+        </p:txBody>
+      </p:sp>
+      <p:sp>
+        <p:nvSpPr>
+          <p:cNvPr id="17" name="矩形 16"/>
+          <p:cNvSpPr/>
+          <p:nvPr/>
+        </p:nvSpPr>
+        <p:spPr>
+          <a:xfrm>
+            <a:off x="5753101" y="4267199"/>
+            <a:ext cx="653142" cy="745734"/>
+          </a:xfrm>
+          <a:prstGeom prst="rect">
+            <a:avLst/>
+          </a:prstGeom>
+          <a:noFill/>
+          <a:ln w="63500">
+            <a:solidFill>
+              <a:srgbClr val="FF0000"/>
+            </a:solidFill>
+          </a:ln>
+        </p:spPr>
+        <p:style>
+          <a:lnRef idx="2">
+            <a:schemeClr val="accent1">
+              <a:shade val="50000"/>
+            </a:schemeClr>
+          </a:lnRef>
+          <a:fillRef idx="1">
+            <a:schemeClr val="accent1"/>
+          </a:fillRef>
+          <a:effectRef idx="0">
+            <a:schemeClr val="accent1"/>
+          </a:effectRef>
+          <a:fontRef idx="minor">
+            <a:schemeClr val="lt1"/>
+          </a:fontRef>
+        </p:style>
+        <p:txBody>
+          <a:bodyPr rtlCol="0" anchor="ctr"/>
+          <a:lstStyle/>
+          <a:p>
+            <a:pPr algn="ctr"/>
+            <a:endParaRPr lang="zh-CN" altLang="en-US"/>
           </a:p>
         </p:txBody>
       </p:sp>
@@ -5343,30 +5185,6 @@
           </a:p>
         </p:txBody>
       </p:sp>
-      <p:pic>
-        <p:nvPicPr>
-          <p:cNvPr id="2" name="图片 1"/>
-          <p:cNvPicPr>
-            <a:picLocks noChangeAspect="1"/>
-          </p:cNvPicPr>
-          <p:nvPr/>
-        </p:nvPicPr>
-        <p:blipFill>
-          <a:blip r:embed="rId2"/>
-          <a:stretch>
-            <a:fillRect/>
-          </a:stretch>
-        </p:blipFill>
-        <p:spPr>
-          <a:xfrm>
-            <a:off x="1595031" y="1258943"/>
-            <a:ext cx="10596969" cy="3952634"/>
-          </a:xfrm>
-          <a:prstGeom prst="rect">
-            <a:avLst/>
-          </a:prstGeom>
-        </p:spPr>
-      </p:pic>
       <p:sp>
         <p:nvSpPr>
           <p:cNvPr id="10" name="文本框 9"/>
@@ -5390,36 +5208,8 @@
           <a:lstStyle/>
           <a:p>
             <a:r>
-              <a:rPr lang="en-US" altLang="zh-CN" sz="2000" dirty="0" smtClean="0">
-                <a:latin typeface="Meiryo" panose="020B0604030504040204" pitchFamily="34" charset="-128"/>
-                <a:ea typeface="Meiryo" panose="020B0604030504040204" pitchFamily="34" charset="-128"/>
-                <a:cs typeface="Meiryo" panose="020B0604030504040204" pitchFamily="34" charset="-128"/>
-              </a:rPr>
-              <a:t>Regions 2 </a:t>
-            </a:r>
-            <a:r>
-              <a:rPr lang="zh-CN" altLang="en-US" sz="2000" dirty="0" smtClean="0">
-                <a:latin typeface="Meiryo" panose="020B0604030504040204" pitchFamily="34" charset="-128"/>
-                <a:ea typeface="Meiryo" panose="020B0604030504040204" pitchFamily="34" charset="-128"/>
-                <a:cs typeface="Meiryo" panose="020B0604030504040204" pitchFamily="34" charset="-128"/>
-              </a:rPr>
-              <a:t>（</a:t>
-            </a:r>
-            <a:r>
-              <a:rPr lang="en-US" altLang="zh-CN" sz="2000" dirty="0" smtClean="0">
-                <a:latin typeface="Meiryo" panose="020B0604030504040204" pitchFamily="34" charset="-128"/>
-                <a:ea typeface="Meiryo" panose="020B0604030504040204" pitchFamily="34" charset="-128"/>
-                <a:cs typeface="Meiryo" panose="020B0604030504040204" pitchFamily="34" charset="-128"/>
-              </a:rPr>
-              <a:t>red</a:t>
-            </a:r>
-            <a:r>
-              <a:rPr lang="zh-CN" altLang="en-US" sz="2000" dirty="0" smtClean="0">
-                <a:latin typeface="Meiryo" panose="020B0604030504040204" pitchFamily="34" charset="-128"/>
-                <a:ea typeface="Meiryo" panose="020B0604030504040204" pitchFamily="34" charset="-128"/>
-                <a:cs typeface="Meiryo" panose="020B0604030504040204" pitchFamily="34" charset="-128"/>
-              </a:rPr>
-              <a:t>）</a:t>
+              <a:rPr lang="en-US" altLang="zh-CN" sz="2000" dirty="0" smtClean="0"/>
+              <a:t>Amygdaloid region </a:t>
             </a:r>
             <a:r>
               <a:rPr lang="en-US" altLang="zh-CN" sz="2000" dirty="0" smtClean="0">
@@ -5439,11 +5229,7 @@
             </a:r>
             <a:r>
               <a:rPr lang="en-US" altLang="zh-CN" dirty="0"/>
-              <a:t>Cortex-amygdala transition zones</a:t>
-            </a:r>
-            <a:r>
-              <a:rPr lang="en-US" altLang="zh-CN" dirty="0"/>
-              <a:t> </a:t>
+              <a:t>Cortex-amygdala transition zones </a:t>
             </a:r>
             <a:r>
               <a:rPr lang="en-US" altLang="zh-CN" dirty="0" smtClean="0"/>
@@ -5543,21 +5329,205 @@
                 <a:ea typeface="Meiryo" panose="020B0604030504040204" pitchFamily="34" charset="-128"/>
                 <a:cs typeface="Meiryo" panose="020B0604030504040204" pitchFamily="34" charset="-128"/>
               </a:rPr>
-              <a:t>(</a:t>
-            </a:r>
-            <a:r>
-              <a:rPr lang="en-US" altLang="zh-CN" sz="2000" dirty="0" smtClean="0">
-                <a:latin typeface="Meiryo" panose="020B0604030504040204" pitchFamily="34" charset="-128"/>
-                <a:ea typeface="Meiryo" panose="020B0604030504040204" pitchFamily="34" charset="-128"/>
-                <a:cs typeface="Meiryo" panose="020B0604030504040204" pitchFamily="34" charset="-128"/>
-              </a:rPr>
-              <a:t>P &lt; 0.01)</a:t>
+              <a:t>(P &lt; 0.01)</a:t>
             </a:r>
             <a:endParaRPr lang="zh-CN" altLang="en-US" sz="2000" dirty="0">
               <a:latin typeface="Meiryo" panose="020B0604030504040204" pitchFamily="34" charset="-128"/>
               <a:ea typeface="Meiryo" panose="020B0604030504040204" pitchFamily="34" charset="-128"/>
               <a:cs typeface="Meiryo" panose="020B0604030504040204" pitchFamily="34" charset="-128"/>
             </a:endParaRPr>
+          </a:p>
+        </p:txBody>
+      </p:sp>
+      <p:pic>
+        <p:nvPicPr>
+          <p:cNvPr id="6" name="Picture 2"/>
+          <p:cNvPicPr>
+            <a:picLocks noChangeAspect="1" noChangeArrowheads="1"/>
+          </p:cNvPicPr>
+          <p:nvPr/>
+        </p:nvPicPr>
+        <p:blipFill>
+          <a:blip r:embed="rId2">
+            <a:extLst>
+              <a:ext uri="{28A0092B-C50C-407E-A947-70E740481C1C}">
+                <a14:useLocalDpi xmlns:a14="http://schemas.microsoft.com/office/drawing/2010/main" val="0"/>
+              </a:ext>
+            </a:extLst>
+          </a:blip>
+          <a:srcRect/>
+          <a:stretch>
+            <a:fillRect/>
+          </a:stretch>
+        </p:blipFill>
+        <p:spPr bwMode="auto">
+          <a:xfrm>
+            <a:off x="1642139" y="1402025"/>
+            <a:ext cx="10179746" cy="3756959"/>
+          </a:xfrm>
+          <a:prstGeom prst="rect">
+            <a:avLst/>
+          </a:prstGeom>
+          <a:noFill/>
+          <a:ln>
+            <a:noFill/>
+          </a:ln>
+          <a:extLst>
+            <a:ext uri="{909E8E84-426E-40DD-AFC4-6F175D3DCCD1}">
+              <a14:hiddenFill xmlns:a14="http://schemas.microsoft.com/office/drawing/2010/main">
+                <a:solidFill>
+                  <a:schemeClr val="accent1"/>
+                </a:solidFill>
+              </a14:hiddenFill>
+            </a:ext>
+            <a:ext uri="{91240B29-F687-4F45-9708-019B960494DF}">
+              <a14:hiddenLine xmlns:a14="http://schemas.microsoft.com/office/drawing/2010/main" w="9525">
+                <a:solidFill>
+                  <a:schemeClr val="tx1"/>
+                </a:solidFill>
+                <a:miter lim="800000"/>
+                <a:headEnd/>
+                <a:tailEnd/>
+              </a14:hiddenLine>
+            </a:ext>
+          </a:extLst>
+        </p:spPr>
+      </p:pic>
+      <p:sp>
+        <p:nvSpPr>
+          <p:cNvPr id="7" name="矩形 6"/>
+          <p:cNvSpPr/>
+          <p:nvPr/>
+        </p:nvSpPr>
+        <p:spPr>
+          <a:xfrm>
+            <a:off x="2024743" y="4212771"/>
+            <a:ext cx="653142" cy="745734"/>
+          </a:xfrm>
+          <a:prstGeom prst="rect">
+            <a:avLst/>
+          </a:prstGeom>
+          <a:noFill/>
+          <a:ln w="63500">
+            <a:solidFill>
+              <a:srgbClr val="FF0000"/>
+            </a:solidFill>
+          </a:ln>
+        </p:spPr>
+        <p:style>
+          <a:lnRef idx="2">
+            <a:schemeClr val="accent1">
+              <a:shade val="50000"/>
+            </a:schemeClr>
+          </a:lnRef>
+          <a:fillRef idx="1">
+            <a:schemeClr val="accent1"/>
+          </a:fillRef>
+          <a:effectRef idx="0">
+            <a:schemeClr val="accent1"/>
+          </a:effectRef>
+          <a:fontRef idx="minor">
+            <a:schemeClr val="lt1"/>
+          </a:fontRef>
+        </p:style>
+        <p:txBody>
+          <a:bodyPr rtlCol="0" anchor="ctr"/>
+          <a:lstStyle/>
+          <a:p>
+            <a:pPr algn="ctr"/>
+            <a:endParaRPr lang="zh-CN" altLang="en-US"/>
+          </a:p>
+        </p:txBody>
+      </p:sp>
+      <p:sp>
+        <p:nvSpPr>
+          <p:cNvPr id="11" name="矩形 10"/>
+          <p:cNvSpPr/>
+          <p:nvPr/>
+        </p:nvSpPr>
+        <p:spPr>
+          <a:xfrm>
+            <a:off x="4517866" y="4212771"/>
+            <a:ext cx="653142" cy="745734"/>
+          </a:xfrm>
+          <a:prstGeom prst="rect">
+            <a:avLst/>
+          </a:prstGeom>
+          <a:noFill/>
+          <a:ln w="63500">
+            <a:solidFill>
+              <a:srgbClr val="FF0000"/>
+            </a:solidFill>
+          </a:ln>
+        </p:spPr>
+        <p:style>
+          <a:lnRef idx="2">
+            <a:schemeClr val="accent1">
+              <a:shade val="50000"/>
+            </a:schemeClr>
+          </a:lnRef>
+          <a:fillRef idx="1">
+            <a:schemeClr val="accent1"/>
+          </a:fillRef>
+          <a:effectRef idx="0">
+            <a:schemeClr val="accent1"/>
+          </a:effectRef>
+          <a:fontRef idx="minor">
+            <a:schemeClr val="lt1"/>
+          </a:fontRef>
+        </p:style>
+        <p:txBody>
+          <a:bodyPr rtlCol="0" anchor="ctr"/>
+          <a:lstStyle/>
+          <a:p>
+            <a:pPr algn="ctr"/>
+            <a:endParaRPr lang="zh-CN" altLang="en-US"/>
+          </a:p>
+        </p:txBody>
+      </p:sp>
+      <p:sp>
+        <p:nvSpPr>
+          <p:cNvPr id="12" name="矩形 11"/>
+          <p:cNvSpPr/>
+          <p:nvPr/>
+        </p:nvSpPr>
+        <p:spPr>
+          <a:xfrm>
+            <a:off x="9748158" y="2367642"/>
+            <a:ext cx="653142" cy="745734"/>
+          </a:xfrm>
+          <a:prstGeom prst="rect">
+            <a:avLst/>
+          </a:prstGeom>
+          <a:noFill/>
+          <a:ln w="63500">
+            <a:solidFill>
+              <a:srgbClr val="FF0000"/>
+            </a:solidFill>
+          </a:ln>
+        </p:spPr>
+        <p:style>
+          <a:lnRef idx="2">
+            <a:schemeClr val="accent1">
+              <a:shade val="50000"/>
+            </a:schemeClr>
+          </a:lnRef>
+          <a:fillRef idx="1">
+            <a:schemeClr val="accent1"/>
+          </a:fillRef>
+          <a:effectRef idx="0">
+            <a:schemeClr val="accent1"/>
+          </a:effectRef>
+          <a:fontRef idx="minor">
+            <a:schemeClr val="lt1"/>
+          </a:fontRef>
+        </p:style>
+        <p:txBody>
+          <a:bodyPr rtlCol="0" anchor="ctr"/>
+          <a:lstStyle/>
+          <a:p>
+            <a:pPr algn="ctr"/>
+            <a:endParaRPr lang="zh-CN" altLang="en-US"/>
           </a:p>
         </p:txBody>
       </p:sp>
@@ -5736,30 +5706,6 @@
           </a:p>
         </p:txBody>
       </p:sp>
-      <p:pic>
-        <p:nvPicPr>
-          <p:cNvPr id="2" name="图片 1"/>
-          <p:cNvPicPr>
-            <a:picLocks noChangeAspect="1"/>
-          </p:cNvPicPr>
-          <p:nvPr/>
-        </p:nvPicPr>
-        <p:blipFill>
-          <a:blip r:embed="rId2"/>
-          <a:stretch>
-            <a:fillRect/>
-          </a:stretch>
-        </p:blipFill>
-        <p:spPr>
-          <a:xfrm>
-            <a:off x="1246188" y="1338305"/>
-            <a:ext cx="10945812" cy="4022866"/>
-          </a:xfrm>
-          <a:prstGeom prst="rect">
-            <a:avLst/>
-          </a:prstGeom>
-        </p:spPr>
-      </p:pic>
       <p:sp>
         <p:nvSpPr>
           <p:cNvPr id="10" name="文本框 9"/>
@@ -5782,13 +5728,25 @@
           </a:bodyPr>
           <a:lstStyle/>
           <a:p>
+            <a:r>
+              <a:rPr lang="en-US" altLang="zh-CN" sz="2000" dirty="0"/>
+              <a:t>Entorhinal &amp; Amygdaloid regions</a:t>
+            </a:r>
             <a:r>
               <a:rPr lang="en-US" altLang="zh-CN" sz="2000" dirty="0" smtClean="0">
                 <a:latin typeface="Meiryo" panose="020B0604030504040204" pitchFamily="34" charset="-128"/>
                 <a:ea typeface="Meiryo" panose="020B0604030504040204" pitchFamily="34" charset="-128"/>
                 <a:cs typeface="Meiryo" panose="020B0604030504040204" pitchFamily="34" charset="-128"/>
               </a:rPr>
-              <a:t>Regions including</a:t>
+              <a:t> </a:t>
+            </a:r>
+            <a:r>
+              <a:rPr lang="en-US" altLang="zh-CN" sz="2000" dirty="0" smtClean="0">
+                <a:latin typeface="Meiryo" panose="020B0604030504040204" pitchFamily="34" charset="-128"/>
+                <a:ea typeface="Meiryo" panose="020B0604030504040204" pitchFamily="34" charset="-128"/>
+                <a:cs typeface="Meiryo" panose="020B0604030504040204" pitchFamily="34" charset="-128"/>
+              </a:rPr>
+              <a:t>including</a:t>
             </a:r>
             <a:r>
               <a:rPr lang="zh-CN" altLang="en-US" sz="2000" dirty="0" smtClean="0">
@@ -5804,11 +5762,7 @@
             </a:r>
             <a:r>
               <a:rPr lang="en-US" altLang="zh-CN" dirty="0"/>
-              <a:t> transition area</a:t>
-            </a:r>
-            <a:r>
-              <a:rPr lang="en-US" altLang="zh-CN" dirty="0"/>
-              <a:t> </a:t>
+              <a:t> transition area </a:t>
             </a:r>
             <a:r>
               <a:rPr lang="en-US" altLang="zh-CN" dirty="0" smtClean="0"/>
@@ -5892,15 +5846,7 @@
                 <a:ea typeface="Meiryo" panose="020B0604030504040204" pitchFamily="34" charset="-128"/>
                 <a:cs typeface="Meiryo" panose="020B0604030504040204" pitchFamily="34" charset="-128"/>
               </a:rPr>
-              <a:t>(</a:t>
-            </a:r>
-            <a:r>
-              <a:rPr lang="en-US" altLang="zh-CN" sz="2000" dirty="0" smtClean="0">
-                <a:latin typeface="Meiryo" panose="020B0604030504040204" pitchFamily="34" charset="-128"/>
-                <a:ea typeface="Meiryo" panose="020B0604030504040204" pitchFamily="34" charset="-128"/>
-                <a:cs typeface="Meiryo" panose="020B0604030504040204" pitchFamily="34" charset="-128"/>
-              </a:rPr>
-              <a:t>P &lt; 0.01)</a:t>
+              <a:t>(P &lt; 0.01)</a:t>
             </a:r>
             <a:endParaRPr lang="zh-CN" altLang="en-US" sz="2000" dirty="0">
               <a:latin typeface="Meiryo" panose="020B0604030504040204" pitchFamily="34" charset="-128"/>
@@ -5910,6 +5856,60 @@
           </a:p>
         </p:txBody>
       </p:sp>
+      <p:pic>
+        <p:nvPicPr>
+          <p:cNvPr id="7170" name="Picture 2"/>
+          <p:cNvPicPr>
+            <a:picLocks noChangeAspect="1" noChangeArrowheads="1"/>
+          </p:cNvPicPr>
+          <p:nvPr/>
+        </p:nvPicPr>
+        <p:blipFill>
+          <a:blip r:embed="rId2">
+            <a:extLst>
+              <a:ext uri="{28A0092B-C50C-407E-A947-70E740481C1C}">
+                <a14:useLocalDpi xmlns:a14="http://schemas.microsoft.com/office/drawing/2010/main" val="0"/>
+              </a:ext>
+            </a:extLst>
+          </a:blip>
+          <a:srcRect/>
+          <a:stretch>
+            <a:fillRect/>
+          </a:stretch>
+        </p:blipFill>
+        <p:spPr bwMode="auto">
+          <a:xfrm>
+            <a:off x="1332685" y="1488521"/>
+            <a:ext cx="10276929" cy="3794750"/>
+          </a:xfrm>
+          <a:prstGeom prst="rect">
+            <a:avLst/>
+          </a:prstGeom>
+          <a:noFill/>
+          <a:ln>
+            <a:noFill/>
+          </a:ln>
+          <a:extLst>
+            <a:ext uri="{909E8E84-426E-40DD-AFC4-6F175D3DCCD1}">
+              <a14:hiddenFill xmlns:a14="http://schemas.microsoft.com/office/drawing/2010/main">
+                <a:solidFill>
+                  <a:schemeClr val="accent1"/>
+                </a:solidFill>
+              </a14:hiddenFill>
+            </a:ext>
+            <a:ext uri="{91240B29-F687-4F45-9708-019B960494DF}">
+              <a14:hiddenLine xmlns:a14="http://schemas.microsoft.com/office/drawing/2010/main" w="9525">
+                <a:solidFill>
+                  <a:schemeClr val="tx1"/>
+                </a:solidFill>
+                <a:miter lim="800000"/>
+                <a:headEnd/>
+                <a:tailEnd/>
+              </a14:hiddenLine>
+            </a:ext>
+          </a:extLst>
+        </p:spPr>
+      </p:pic>
     </p:spTree>
     <p:extLst>
       <p:ext uri="{BB962C8B-B14F-4D97-AF65-F5344CB8AC3E}">
@@ -6294,7 +6294,7 @@
         </p:nvSpPr>
         <p:spPr>
           <a:xfrm>
-            <a:off x="3141784" y="1767254"/>
+            <a:off x="989134" y="1767254"/>
             <a:ext cx="4305299" cy="2998177"/>
           </a:xfrm>
           <a:prstGeom prst="rect">
@@ -6336,216 +6336,6 @@
       </p:sp>
       <p:sp>
         <p:nvSpPr>
-          <p:cNvPr id="4" name="文本框 3"/>
-          <p:cNvSpPr txBox="1"/>
-          <p:nvPr/>
-        </p:nvSpPr>
-        <p:spPr>
-          <a:xfrm>
-            <a:off x="63259" y="452804"/>
-            <a:ext cx="2946640" cy="3170099"/>
-          </a:xfrm>
-          <a:prstGeom prst="rect">
-            <a:avLst/>
-          </a:prstGeom>
-          <a:noFill/>
-        </p:spPr>
-        <p:txBody>
-          <a:bodyPr wrap="none" rtlCol="0">
-            <a:spAutoFit/>
-          </a:bodyPr>
-          <a:lstStyle/>
-          <a:p>
-            <a:pPr algn="r"/>
-            <a:r>
-              <a:rPr lang="en-US" altLang="zh-CN" sz="4000" b="1" dirty="0">
-                <a:latin typeface="微软雅黑" panose="020B0503020204020204" pitchFamily="34" charset="-122"/>
-                <a:ea typeface="微软雅黑" panose="020B0503020204020204" pitchFamily="34" charset="-122"/>
-              </a:rPr>
-              <a:t>White</a:t>
-            </a:r>
-          </a:p>
-          <a:p>
-            <a:pPr algn="r"/>
-            <a:r>
-              <a:rPr lang="en-US" altLang="zh-CN" sz="4000" b="1" dirty="0">
-                <a:latin typeface="微软雅黑" panose="020B0503020204020204" pitchFamily="34" charset="-122"/>
-                <a:ea typeface="微软雅黑" panose="020B0503020204020204" pitchFamily="34" charset="-122"/>
-              </a:rPr>
-              <a:t>something</a:t>
-            </a:r>
-          </a:p>
-          <a:p>
-            <a:pPr algn="r"/>
-            <a:r>
-              <a:rPr lang="en-US" altLang="zh-CN" sz="4000" b="1" dirty="0">
-                <a:latin typeface="微软雅黑" panose="020B0503020204020204" pitchFamily="34" charset="-122"/>
-                <a:ea typeface="微软雅黑" panose="020B0503020204020204" pitchFamily="34" charset="-122"/>
-              </a:rPr>
-              <a:t>here</a:t>
-            </a:r>
-          </a:p>
-          <a:p>
-            <a:pPr algn="r"/>
-            <a:r>
-              <a:rPr lang="en-US" altLang="zh-CN" sz="4000" b="1" dirty="0">
-                <a:latin typeface="微软雅黑" panose="020B0503020204020204" pitchFamily="34" charset="-122"/>
-                <a:ea typeface="微软雅黑" panose="020B0503020204020204" pitchFamily="34" charset="-122"/>
-              </a:rPr>
-              <a:t>Such as</a:t>
-            </a:r>
-          </a:p>
-          <a:p>
-            <a:pPr algn="r"/>
-            <a:r>
-              <a:rPr lang="en-US" altLang="zh-CN" sz="4000" b="1" dirty="0">
-                <a:solidFill>
-                  <a:srgbClr val="00ABB4"/>
-                </a:solidFill>
-                <a:latin typeface="微软雅黑" panose="020B0503020204020204" pitchFamily="34" charset="-122"/>
-                <a:ea typeface="微软雅黑" panose="020B0503020204020204" pitchFamily="34" charset="-122"/>
-              </a:rPr>
-              <a:t>Title</a:t>
-            </a:r>
-          </a:p>
-        </p:txBody>
-      </p:sp>
-      <p:sp>
-        <p:nvSpPr>
-          <p:cNvPr id="5" name="文本框 4"/>
-          <p:cNvSpPr txBox="1"/>
-          <p:nvPr/>
-        </p:nvSpPr>
-        <p:spPr>
-          <a:xfrm>
-            <a:off x="630175" y="3998817"/>
-            <a:ext cx="2379724" cy="923330"/>
-          </a:xfrm>
-          <a:prstGeom prst="rect">
-            <a:avLst/>
-          </a:prstGeom>
-          <a:noFill/>
-        </p:spPr>
-        <p:txBody>
-          <a:bodyPr wrap="square" rtlCol="0">
-            <a:spAutoFit/>
-          </a:bodyPr>
-          <a:lstStyle/>
-          <a:p>
-            <a:pPr algn="r"/>
-            <a:r>
-              <a:rPr lang="en-US" altLang="zh-CN" dirty="0">
-                <a:solidFill>
-                  <a:schemeClr val="bg1">
-                    <a:lumMod val="50000"/>
-                  </a:schemeClr>
-                </a:solidFill>
-                <a:ea typeface="Roboto Cn" pitchFamily="2" charset="0"/>
-                <a:cs typeface="Arial" panose="020B0604020202020204" pitchFamily="34" charset="0"/>
-              </a:rPr>
-              <a:t>Lorem ipsum dolor sit </a:t>
-            </a:r>
-            <a:r>
-              <a:rPr lang="en-US" altLang="zh-CN" dirty="0" err="1">
-                <a:solidFill>
-                  <a:schemeClr val="bg1">
-                    <a:lumMod val="50000"/>
-                  </a:schemeClr>
-                </a:solidFill>
-                <a:ea typeface="Roboto Cn" pitchFamily="2" charset="0"/>
-                <a:cs typeface="Arial" panose="020B0604020202020204" pitchFamily="34" charset="0"/>
-              </a:rPr>
-              <a:t>amet</a:t>
-            </a:r>
-            <a:r>
-              <a:rPr lang="en-US" altLang="zh-CN" dirty="0">
-                <a:solidFill>
-                  <a:schemeClr val="bg1">
-                    <a:lumMod val="50000"/>
-                  </a:schemeClr>
-                </a:solidFill>
-                <a:ea typeface="Roboto Cn" pitchFamily="2" charset="0"/>
-                <a:cs typeface="Arial" panose="020B0604020202020204" pitchFamily="34" charset="0"/>
-              </a:rPr>
-              <a:t>, </a:t>
-            </a:r>
-            <a:r>
-              <a:rPr lang="en-US" altLang="zh-CN" dirty="0" err="1">
-                <a:solidFill>
-                  <a:schemeClr val="bg1">
-                    <a:lumMod val="50000"/>
-                  </a:schemeClr>
-                </a:solidFill>
-                <a:ea typeface="Roboto Cn" pitchFamily="2" charset="0"/>
-                <a:cs typeface="Arial" panose="020B0604020202020204" pitchFamily="34" charset="0"/>
-              </a:rPr>
-              <a:t>consectetur</a:t>
-            </a:r>
-            <a:r>
-              <a:rPr lang="en-US" altLang="zh-CN" dirty="0">
-                <a:solidFill>
-                  <a:schemeClr val="bg1">
-                    <a:lumMod val="50000"/>
-                  </a:schemeClr>
-                </a:solidFill>
-                <a:ea typeface="Roboto Cn" pitchFamily="2" charset="0"/>
-                <a:cs typeface="Arial" panose="020B0604020202020204" pitchFamily="34" charset="0"/>
-              </a:rPr>
-              <a:t> </a:t>
-            </a:r>
-            <a:r>
-              <a:rPr lang="en-US" altLang="zh-CN" dirty="0" err="1">
-                <a:solidFill>
-                  <a:schemeClr val="bg1">
-                    <a:lumMod val="50000"/>
-                  </a:schemeClr>
-                </a:solidFill>
-                <a:ea typeface="Roboto Cn" pitchFamily="2" charset="0"/>
-                <a:cs typeface="Arial" panose="020B0604020202020204" pitchFamily="34" charset="0"/>
-              </a:rPr>
-              <a:t>adipiscing</a:t>
-            </a:r>
-            <a:r>
-              <a:rPr lang="en-US" altLang="zh-CN" dirty="0">
-                <a:solidFill>
-                  <a:schemeClr val="bg1">
-                    <a:lumMod val="50000"/>
-                  </a:schemeClr>
-                </a:solidFill>
-                <a:ea typeface="Roboto Cn" pitchFamily="2" charset="0"/>
-                <a:cs typeface="Arial" panose="020B0604020202020204" pitchFamily="34" charset="0"/>
-              </a:rPr>
-              <a:t> </a:t>
-            </a:r>
-            <a:r>
-              <a:rPr lang="en-US" altLang="zh-CN" dirty="0" err="1">
-                <a:solidFill>
-                  <a:schemeClr val="bg1">
-                    <a:lumMod val="50000"/>
-                  </a:schemeClr>
-                </a:solidFill>
-                <a:ea typeface="Roboto Cn" pitchFamily="2" charset="0"/>
-                <a:cs typeface="Arial" panose="020B0604020202020204" pitchFamily="34" charset="0"/>
-              </a:rPr>
-              <a:t>elit</a:t>
-            </a:r>
-            <a:r>
-              <a:rPr lang="en-US" altLang="zh-CN" dirty="0">
-                <a:solidFill>
-                  <a:schemeClr val="bg1">
-                    <a:lumMod val="50000"/>
-                  </a:schemeClr>
-                </a:solidFill>
-                <a:ea typeface="Roboto Cn" pitchFamily="2" charset="0"/>
-                <a:cs typeface="Arial" panose="020B0604020202020204" pitchFamily="34" charset="0"/>
-              </a:rPr>
-              <a:t>. </a:t>
-            </a:r>
-          </a:p>
-        </p:txBody>
-      </p:sp>
-      <p:sp>
-        <p:nvSpPr>
           <p:cNvPr id="9" name="矩形 8"/>
           <p:cNvSpPr/>
           <p:nvPr/>
@@ -6594,20 +6384,22 @@
       </p:sp>
       <p:sp>
         <p:nvSpPr>
-          <p:cNvPr id="11" name="矩形 10"/>
+          <p:cNvPr id="12" name="矩形 11"/>
           <p:cNvSpPr/>
           <p:nvPr/>
         </p:nvSpPr>
         <p:spPr>
           <a:xfrm>
-            <a:off x="1536579" y="3756620"/>
-            <a:ext cx="1349496" cy="104775"/>
+            <a:off x="10588867" y="2977768"/>
+            <a:ext cx="1603132" cy="1767254"/>
           </a:xfrm>
           <a:prstGeom prst="rect">
             <a:avLst/>
           </a:prstGeom>
           <a:solidFill>
-            <a:srgbClr val="00ABB4"/>
+            <a:srgbClr val="00ABB4">
+              <a:alpha val="81000"/>
+            </a:srgbClr>
           </a:solidFill>
           <a:ln>
             <a:noFill/>
@@ -6638,78 +6430,94 @@
           </a:p>
         </p:txBody>
       </p:sp>
-      <p:sp>
-        <p:nvSpPr>
-          <p:cNvPr id="12" name="矩形 11"/>
-          <p:cNvSpPr/>
-          <p:nvPr/>
-        </p:nvSpPr>
-        <p:spPr>
-          <a:xfrm>
-            <a:off x="10588867" y="2977768"/>
-            <a:ext cx="1603132" cy="1767254"/>
-          </a:xfrm>
-          <a:prstGeom prst="rect">
-            <a:avLst/>
-          </a:prstGeom>
-          <a:solidFill>
-            <a:srgbClr val="00ABB4">
-              <a:alpha val="81000"/>
-            </a:srgbClr>
-          </a:solidFill>
-          <a:ln>
-            <a:noFill/>
-          </a:ln>
-        </p:spPr>
-        <p:style>
-          <a:lnRef idx="2">
-            <a:schemeClr val="accent1">
-              <a:shade val="50000"/>
-            </a:schemeClr>
-          </a:lnRef>
-          <a:fillRef idx="1">
-            <a:schemeClr val="accent1"/>
-          </a:fillRef>
-          <a:effectRef idx="0">
-            <a:schemeClr val="accent1"/>
-          </a:effectRef>
-          <a:fontRef idx="minor">
-            <a:schemeClr val="lt1"/>
-          </a:fontRef>
-        </p:style>
-        <p:txBody>
-          <a:bodyPr rtlCol="0" anchor="ctr"/>
-          <a:lstStyle/>
-          <a:p>
-            <a:pPr algn="ctr"/>
-            <a:endParaRPr lang="zh-CN" altLang="en-US"/>
-          </a:p>
-        </p:txBody>
-      </p:sp>
       <p:pic>
         <p:nvPicPr>
-          <p:cNvPr id="15" name="图片 14"/>
+          <p:cNvPr id="1026" name="Picture 2"/>
           <p:cNvPicPr>
-            <a:picLocks noChangeAspect="1"/>
+            <a:picLocks noChangeAspect="1" noChangeArrowheads="1"/>
           </p:cNvPicPr>
           <p:nvPr/>
         </p:nvPicPr>
         <p:blipFill>
-          <a:blip r:embed="rId2"/>
+          <a:blip r:embed="rId2">
+            <a:extLst>
+              <a:ext uri="{28A0092B-C50C-407E-A947-70E740481C1C}">
+                <a14:useLocalDpi xmlns:a14="http://schemas.microsoft.com/office/drawing/2010/main" val="0"/>
+              </a:ext>
+            </a:extLst>
+          </a:blip>
+          <a:srcRect/>
           <a:stretch>
             <a:fillRect/>
           </a:stretch>
         </p:blipFill>
-        <p:spPr>
-          <a:xfrm>
-            <a:off x="3540211" y="1020305"/>
-            <a:ext cx="8224837" cy="4986344"/>
+        <p:spPr bwMode="auto">
+          <a:xfrm>
+            <a:off x="1567610" y="754249"/>
+            <a:ext cx="10126822" cy="5376151"/>
           </a:xfrm>
           <a:prstGeom prst="rect">
             <a:avLst/>
           </a:prstGeom>
+          <a:noFill/>
+          <a:ln>
+            <a:noFill/>
+          </a:ln>
+          <a:extLst>
+            <a:ext uri="{909E8E84-426E-40DD-AFC4-6F175D3DCCD1}">
+              <a14:hiddenFill xmlns:a14="http://schemas.microsoft.com/office/drawing/2010/main">
+                <a:solidFill>
+                  <a:schemeClr val="accent1"/>
+                </a:solidFill>
+              </a14:hiddenFill>
+            </a:ext>
+            <a:ext uri="{91240B29-F687-4F45-9708-019B960494DF}">
+              <a14:hiddenLine xmlns:a14="http://schemas.microsoft.com/office/drawing/2010/main" w="9525">
+                <a:solidFill>
+                  <a:schemeClr val="tx1"/>
+                </a:solidFill>
+                <a:miter lim="800000"/>
+                <a:headEnd/>
+                <a:tailEnd/>
+              </a14:hiddenLine>
+            </a:ext>
+          </a:extLst>
         </p:spPr>
       </p:pic>
+      <p:sp>
+        <p:nvSpPr>
+          <p:cNvPr id="7" name="文本框 9"/>
+          <p:cNvSpPr txBox="1"/>
+          <p:nvPr/>
+        </p:nvSpPr>
+        <p:spPr>
+          <a:xfrm>
+            <a:off x="989134" y="461099"/>
+            <a:ext cx="10654111" cy="400110"/>
+          </a:xfrm>
+          <a:prstGeom prst="rect">
+            <a:avLst/>
+          </a:prstGeom>
+          <a:noFill/>
+        </p:spPr>
+        <p:txBody>
+          <a:bodyPr wrap="square" rtlCol="0">
+            <a:spAutoFit/>
+          </a:bodyPr>
+          <a:lstStyle/>
+          <a:p>
+            <a:r>
+              <a:rPr lang="en-US" altLang="zh-CN" sz="2000" dirty="0" smtClean="0"/>
+              <a:t>Amygdaloid region </a:t>
+            </a:r>
+            <a:endParaRPr lang="zh-CN" altLang="en-US" sz="2000" dirty="0">
+              <a:latin typeface="Meiryo" panose="020B0604030504040204" pitchFamily="34" charset="-128"/>
+              <a:ea typeface="Meiryo" panose="020B0604030504040204" pitchFamily="34" charset="-128"/>
+              <a:cs typeface="Meiryo" panose="020B0604030504040204" pitchFamily="34" charset="-128"/>
+            </a:endParaRPr>
+          </a:p>
+        </p:txBody>
+      </p:sp>
     </p:spTree>
     <p:extLst>
       <p:ext uri="{BB962C8B-B14F-4D97-AF65-F5344CB8AC3E}">
@@ -6803,7 +6611,7 @@
         </p:nvSpPr>
         <p:spPr>
           <a:xfrm>
-            <a:off x="3141784" y="1767254"/>
+            <a:off x="989134" y="1767254"/>
             <a:ext cx="4305299" cy="2998177"/>
           </a:xfrm>
           <a:prstGeom prst="rect">
@@ -6845,216 +6653,6 @@
       </p:sp>
       <p:sp>
         <p:nvSpPr>
-          <p:cNvPr id="4" name="文本框 3"/>
-          <p:cNvSpPr txBox="1"/>
-          <p:nvPr/>
-        </p:nvSpPr>
-        <p:spPr>
-          <a:xfrm>
-            <a:off x="63259" y="452804"/>
-            <a:ext cx="2946640" cy="3170099"/>
-          </a:xfrm>
-          <a:prstGeom prst="rect">
-            <a:avLst/>
-          </a:prstGeom>
-          <a:noFill/>
-        </p:spPr>
-        <p:txBody>
-          <a:bodyPr wrap="none" rtlCol="0">
-            <a:spAutoFit/>
-          </a:bodyPr>
-          <a:lstStyle/>
-          <a:p>
-            <a:pPr algn="r"/>
-            <a:r>
-              <a:rPr lang="en-US" altLang="zh-CN" sz="4000" b="1" dirty="0">
-                <a:latin typeface="微软雅黑" panose="020B0503020204020204" pitchFamily="34" charset="-122"/>
-                <a:ea typeface="微软雅黑" panose="020B0503020204020204" pitchFamily="34" charset="-122"/>
-              </a:rPr>
-              <a:t>White</a:t>
-            </a:r>
-          </a:p>
-          <a:p>
-            <a:pPr algn="r"/>
-            <a:r>
-              <a:rPr lang="en-US" altLang="zh-CN" sz="4000" b="1" dirty="0">
-                <a:latin typeface="微软雅黑" panose="020B0503020204020204" pitchFamily="34" charset="-122"/>
-                <a:ea typeface="微软雅黑" panose="020B0503020204020204" pitchFamily="34" charset="-122"/>
-              </a:rPr>
-              <a:t>something</a:t>
-            </a:r>
-          </a:p>
-          <a:p>
-            <a:pPr algn="r"/>
-            <a:r>
-              <a:rPr lang="en-US" altLang="zh-CN" sz="4000" b="1" dirty="0">
-                <a:latin typeface="微软雅黑" panose="020B0503020204020204" pitchFamily="34" charset="-122"/>
-                <a:ea typeface="微软雅黑" panose="020B0503020204020204" pitchFamily="34" charset="-122"/>
-              </a:rPr>
-              <a:t>here</a:t>
-            </a:r>
-          </a:p>
-          <a:p>
-            <a:pPr algn="r"/>
-            <a:r>
-              <a:rPr lang="en-US" altLang="zh-CN" sz="4000" b="1" dirty="0">
-                <a:latin typeface="微软雅黑" panose="020B0503020204020204" pitchFamily="34" charset="-122"/>
-                <a:ea typeface="微软雅黑" panose="020B0503020204020204" pitchFamily="34" charset="-122"/>
-              </a:rPr>
-              <a:t>Such as</a:t>
-            </a:r>
-          </a:p>
-          <a:p>
-            <a:pPr algn="r"/>
-            <a:r>
-              <a:rPr lang="en-US" altLang="zh-CN" sz="4000" b="1" dirty="0">
-                <a:solidFill>
-                  <a:srgbClr val="00ABB4"/>
-                </a:solidFill>
-                <a:latin typeface="微软雅黑" panose="020B0503020204020204" pitchFamily="34" charset="-122"/>
-                <a:ea typeface="微软雅黑" panose="020B0503020204020204" pitchFamily="34" charset="-122"/>
-              </a:rPr>
-              <a:t>Title</a:t>
-            </a:r>
-          </a:p>
-        </p:txBody>
-      </p:sp>
-      <p:sp>
-        <p:nvSpPr>
-          <p:cNvPr id="5" name="文本框 4"/>
-          <p:cNvSpPr txBox="1"/>
-          <p:nvPr/>
-        </p:nvSpPr>
-        <p:spPr>
-          <a:xfrm>
-            <a:off x="630175" y="3998817"/>
-            <a:ext cx="2379724" cy="923330"/>
-          </a:xfrm>
-          <a:prstGeom prst="rect">
-            <a:avLst/>
-          </a:prstGeom>
-          <a:noFill/>
-        </p:spPr>
-        <p:txBody>
-          <a:bodyPr wrap="square" rtlCol="0">
-            <a:spAutoFit/>
-          </a:bodyPr>
-          <a:lstStyle/>
-          <a:p>
-            <a:pPr algn="r"/>
-            <a:r>
-              <a:rPr lang="en-US" altLang="zh-CN" dirty="0">
-                <a:solidFill>
-                  <a:schemeClr val="bg1">
-                    <a:lumMod val="50000"/>
-                  </a:schemeClr>
-                </a:solidFill>
-                <a:ea typeface="Roboto Cn" pitchFamily="2" charset="0"/>
-                <a:cs typeface="Arial" panose="020B0604020202020204" pitchFamily="34" charset="0"/>
-              </a:rPr>
-              <a:t>Lorem ipsum dolor sit </a:t>
-            </a:r>
-            <a:r>
-              <a:rPr lang="en-US" altLang="zh-CN" dirty="0" err="1">
-                <a:solidFill>
-                  <a:schemeClr val="bg1">
-                    <a:lumMod val="50000"/>
-                  </a:schemeClr>
-                </a:solidFill>
-                <a:ea typeface="Roboto Cn" pitchFamily="2" charset="0"/>
-                <a:cs typeface="Arial" panose="020B0604020202020204" pitchFamily="34" charset="0"/>
-              </a:rPr>
-              <a:t>amet</a:t>
-            </a:r>
-            <a:r>
-              <a:rPr lang="en-US" altLang="zh-CN" dirty="0">
-                <a:solidFill>
-                  <a:schemeClr val="bg1">
-                    <a:lumMod val="50000"/>
-                  </a:schemeClr>
-                </a:solidFill>
-                <a:ea typeface="Roboto Cn" pitchFamily="2" charset="0"/>
-                <a:cs typeface="Arial" panose="020B0604020202020204" pitchFamily="34" charset="0"/>
-              </a:rPr>
-              <a:t>, </a:t>
-            </a:r>
-            <a:r>
-              <a:rPr lang="en-US" altLang="zh-CN" dirty="0" err="1">
-                <a:solidFill>
-                  <a:schemeClr val="bg1">
-                    <a:lumMod val="50000"/>
-                  </a:schemeClr>
-                </a:solidFill>
-                <a:ea typeface="Roboto Cn" pitchFamily="2" charset="0"/>
-                <a:cs typeface="Arial" panose="020B0604020202020204" pitchFamily="34" charset="0"/>
-              </a:rPr>
-              <a:t>consectetur</a:t>
-            </a:r>
-            <a:r>
-              <a:rPr lang="en-US" altLang="zh-CN" dirty="0">
-                <a:solidFill>
-                  <a:schemeClr val="bg1">
-                    <a:lumMod val="50000"/>
-                  </a:schemeClr>
-                </a:solidFill>
-                <a:ea typeface="Roboto Cn" pitchFamily="2" charset="0"/>
-                <a:cs typeface="Arial" panose="020B0604020202020204" pitchFamily="34" charset="0"/>
-              </a:rPr>
-              <a:t> </a:t>
-            </a:r>
-            <a:r>
-              <a:rPr lang="en-US" altLang="zh-CN" dirty="0" err="1">
-                <a:solidFill>
-                  <a:schemeClr val="bg1">
-                    <a:lumMod val="50000"/>
-                  </a:schemeClr>
-                </a:solidFill>
-                <a:ea typeface="Roboto Cn" pitchFamily="2" charset="0"/>
-                <a:cs typeface="Arial" panose="020B0604020202020204" pitchFamily="34" charset="0"/>
-              </a:rPr>
-              <a:t>adipiscing</a:t>
-            </a:r>
-            <a:r>
-              <a:rPr lang="en-US" altLang="zh-CN" dirty="0">
-                <a:solidFill>
-                  <a:schemeClr val="bg1">
-                    <a:lumMod val="50000"/>
-                  </a:schemeClr>
-                </a:solidFill>
-                <a:ea typeface="Roboto Cn" pitchFamily="2" charset="0"/>
-                <a:cs typeface="Arial" panose="020B0604020202020204" pitchFamily="34" charset="0"/>
-              </a:rPr>
-              <a:t> </a:t>
-            </a:r>
-            <a:r>
-              <a:rPr lang="en-US" altLang="zh-CN" dirty="0" err="1">
-                <a:solidFill>
-                  <a:schemeClr val="bg1">
-                    <a:lumMod val="50000"/>
-                  </a:schemeClr>
-                </a:solidFill>
-                <a:ea typeface="Roboto Cn" pitchFamily="2" charset="0"/>
-                <a:cs typeface="Arial" panose="020B0604020202020204" pitchFamily="34" charset="0"/>
-              </a:rPr>
-              <a:t>elit</a:t>
-            </a:r>
-            <a:r>
-              <a:rPr lang="en-US" altLang="zh-CN" dirty="0">
-                <a:solidFill>
-                  <a:schemeClr val="bg1">
-                    <a:lumMod val="50000"/>
-                  </a:schemeClr>
-                </a:solidFill>
-                <a:ea typeface="Roboto Cn" pitchFamily="2" charset="0"/>
-                <a:cs typeface="Arial" panose="020B0604020202020204" pitchFamily="34" charset="0"/>
-              </a:rPr>
-              <a:t>. </a:t>
-            </a:r>
-          </a:p>
-        </p:txBody>
-      </p:sp>
-      <p:sp>
-        <p:nvSpPr>
           <p:cNvPr id="9" name="矩形 8"/>
           <p:cNvSpPr/>
           <p:nvPr/>
@@ -7103,20 +6701,22 @@
       </p:sp>
       <p:sp>
         <p:nvSpPr>
-          <p:cNvPr id="11" name="矩形 10"/>
+          <p:cNvPr id="12" name="矩形 11"/>
           <p:cNvSpPr/>
           <p:nvPr/>
         </p:nvSpPr>
         <p:spPr>
           <a:xfrm>
-            <a:off x="1536579" y="3756620"/>
-            <a:ext cx="1349496" cy="104775"/>
+            <a:off x="10588867" y="2977768"/>
+            <a:ext cx="1603132" cy="1767254"/>
           </a:xfrm>
           <a:prstGeom prst="rect">
             <a:avLst/>
           </a:prstGeom>
           <a:solidFill>
-            <a:srgbClr val="00ABB4"/>
+            <a:srgbClr val="00ABB4">
+              <a:alpha val="81000"/>
+            </a:srgbClr>
           </a:solidFill>
           <a:ln>
             <a:noFill/>
@@ -7147,82 +6747,106 @@
           </a:p>
         </p:txBody>
       </p:sp>
-      <p:sp>
-        <p:nvSpPr>
-          <p:cNvPr id="12" name="矩形 11"/>
-          <p:cNvSpPr/>
-          <p:nvPr/>
-        </p:nvSpPr>
-        <p:spPr>
-          <a:xfrm>
-            <a:off x="10588867" y="2977768"/>
-            <a:ext cx="1603132" cy="1767254"/>
-          </a:xfrm>
-          <a:prstGeom prst="rect">
-            <a:avLst/>
-          </a:prstGeom>
-          <a:solidFill>
-            <a:srgbClr val="00ABB4">
-              <a:alpha val="81000"/>
-            </a:srgbClr>
-          </a:solidFill>
-          <a:ln>
-            <a:noFill/>
-          </a:ln>
-        </p:spPr>
-        <p:style>
-          <a:lnRef idx="2">
-            <a:schemeClr val="accent1">
-              <a:shade val="50000"/>
-            </a:schemeClr>
-          </a:lnRef>
-          <a:fillRef idx="1">
-            <a:schemeClr val="accent1"/>
-          </a:fillRef>
-          <a:effectRef idx="0">
-            <a:schemeClr val="accent1"/>
-          </a:effectRef>
-          <a:fontRef idx="minor">
-            <a:schemeClr val="lt1"/>
-          </a:fontRef>
-        </p:style>
-        <p:txBody>
-          <a:bodyPr rtlCol="0" anchor="ctr"/>
-          <a:lstStyle/>
-          <a:p>
-            <a:pPr algn="ctr"/>
-            <a:endParaRPr lang="zh-CN" altLang="en-US"/>
-          </a:p>
-        </p:txBody>
-      </p:sp>
       <p:pic>
         <p:nvPicPr>
-          <p:cNvPr id="2" name="图片 1"/>
+          <p:cNvPr id="2050" name="Picture 2"/>
           <p:cNvPicPr>
-            <a:picLocks noChangeAspect="1"/>
+            <a:picLocks noChangeAspect="1" noChangeArrowheads="1"/>
           </p:cNvPicPr>
           <p:nvPr/>
         </p:nvPicPr>
         <p:blipFill>
-          <a:blip r:embed="rId2"/>
+          <a:blip r:embed="rId2">
+            <a:extLst>
+              <a:ext uri="{28A0092B-C50C-407E-A947-70E740481C1C}">
+                <a14:useLocalDpi xmlns:a14="http://schemas.microsoft.com/office/drawing/2010/main" val="0"/>
+              </a:ext>
+            </a:extLst>
+          </a:blip>
+          <a:srcRect/>
           <a:stretch>
             <a:fillRect/>
           </a:stretch>
         </p:blipFill>
-        <p:spPr>
-          <a:xfrm>
-            <a:off x="3599062" y="904443"/>
-            <a:ext cx="8380454" cy="5053862"/>
+        <p:spPr bwMode="auto">
+          <a:xfrm>
+            <a:off x="1436978" y="767443"/>
+            <a:ext cx="10332922" cy="5388428"/>
           </a:xfrm>
           <a:prstGeom prst="rect">
             <a:avLst/>
           </a:prstGeom>
+          <a:noFill/>
+          <a:ln>
+            <a:noFill/>
+          </a:ln>
+          <a:extLst>
+            <a:ext uri="{909E8E84-426E-40DD-AFC4-6F175D3DCCD1}">
+              <a14:hiddenFill xmlns:a14="http://schemas.microsoft.com/office/drawing/2010/main">
+                <a:solidFill>
+                  <a:schemeClr val="accent1"/>
+                </a:solidFill>
+              </a14:hiddenFill>
+            </a:ext>
+            <a:ext uri="{91240B29-F687-4F45-9708-019B960494DF}">
+              <a14:hiddenLine xmlns:a14="http://schemas.microsoft.com/office/drawing/2010/main" w="9525">
+                <a:solidFill>
+                  <a:schemeClr val="tx1"/>
+                </a:solidFill>
+                <a:miter lim="800000"/>
+                <a:headEnd/>
+                <a:tailEnd/>
+              </a14:hiddenLine>
+            </a:ext>
+          </a:extLst>
         </p:spPr>
       </p:pic>
+      <p:sp>
+        <p:nvSpPr>
+          <p:cNvPr id="8" name="文本框 9"/>
+          <p:cNvSpPr txBox="1"/>
+          <p:nvPr/>
+        </p:nvSpPr>
+        <p:spPr>
+          <a:xfrm>
+            <a:off x="989134" y="319087"/>
+            <a:ext cx="10654111" cy="400110"/>
+          </a:xfrm>
+          <a:prstGeom prst="rect">
+            <a:avLst/>
+          </a:prstGeom>
+          <a:noFill/>
+        </p:spPr>
+        <p:txBody>
+          <a:bodyPr wrap="square" rtlCol="0">
+            <a:spAutoFit/>
+          </a:bodyPr>
+          <a:lstStyle/>
+          <a:p>
+            <a:r>
+              <a:rPr lang="en-US" altLang="zh-CN" sz="2000" dirty="0" smtClean="0"/>
+              <a:t>Entorhinal &amp; Amygdaloid </a:t>
+            </a:r>
+            <a:r>
+              <a:rPr lang="en-US" altLang="zh-CN" sz="2000" dirty="0" smtClean="0">
+                <a:latin typeface="Meiryo" panose="020B0604030504040204" pitchFamily="34" charset="-128"/>
+                <a:ea typeface="Meiryo" panose="020B0604030504040204" pitchFamily="34" charset="-128"/>
+                <a:cs typeface="Meiryo" panose="020B0604030504040204" pitchFamily="34" charset="-128"/>
+              </a:rPr>
+              <a:t>regions</a:t>
+            </a:r>
+            <a:endParaRPr lang="zh-CN" altLang="en-US" sz="2000" dirty="0">
+              <a:latin typeface="Meiryo" panose="020B0604030504040204" pitchFamily="34" charset="-128"/>
+              <a:ea typeface="Meiryo" panose="020B0604030504040204" pitchFamily="34" charset="-128"/>
+              <a:cs typeface="Meiryo" panose="020B0604030504040204" pitchFamily="34" charset="-128"/>
+            </a:endParaRPr>
+          </a:p>
+        </p:txBody>
+      </p:sp>
     </p:spTree>
     <p:extLst>
       <p:ext uri="{BB962C8B-B14F-4D97-AF65-F5344CB8AC3E}">
-        <p14:creationId xmlns:p14="http://schemas.microsoft.com/office/powerpoint/2010/main" val="2917698263"/>
+        <p14:creationId xmlns:p14="http://schemas.microsoft.com/office/powerpoint/2010/main" val="2334872283"/>
       </p:ext>
     </p:extLst>
   </p:cSld>
@@ -7494,7 +7118,7 @@
   <a:extraClrSchemeLst/>
   <a:extLst>
     <a:ext uri="{05A4C25C-085E-4340-85A3-A5531E510DB2}">
-      <thm15:themeFamily xmlns:thm15="http://schemas.microsoft.com/office/thememl/2012/main" name="Office Theme" id="{62F939B6-93AF-4DB8-9C6B-D6C7DFDC589F}" vid="{4A3C46E8-61CC-4603-A589-7422A47A8E4A}"/>
+      <thm15:themeFamily xmlns="" xmlns:thm15="http://schemas.microsoft.com/office/thememl/2012/main" name="Office Theme" id="{62F939B6-93AF-4DB8-9C6B-D6C7DFDC589F}" vid="{4A3C46E8-61CC-4603-A589-7422A47A8E4A}"/>
     </a:ext>
   </a:extLst>
 </a:theme>
